--- a/Presentation/Group 4 - Final Presentations.pptx
+++ b/Presentation/Group 4 - Final Presentations.pptx
@@ -817,7 +817,7 @@
   <p:cSld>
     <p:spTree>
       <p:nvGrpSpPr>
-        <p:cNvPr id="130" name="Shape 130"/>
+        <p:cNvPr id="126" name="Shape 126"/>
         <p:cNvGrpSpPr/>
         <p:nvPr/>
       </p:nvGrpSpPr>
@@ -831,7 +831,7 @@
       </p:grpSpPr>
       <p:sp>
         <p:nvSpPr>
-          <p:cNvPr id="131" name="Google Shape;131;gf116d115dc_1_452:notes"/>
+          <p:cNvPr id="127" name="Google Shape;127;gf116d115dc_1_351:notes"/>
           <p:cNvSpPr/>
           <p:nvPr>
             <p:ph idx="2" type="sldImg"/>
@@ -866,7 +866,7 @@
       </p:sp>
       <p:sp>
         <p:nvSpPr>
-          <p:cNvPr id="132" name="Google Shape;132;gf116d115dc_1_452:notes"/>
+          <p:cNvPr id="128" name="Google Shape;128;gf116d115dc_1_351:notes"/>
           <p:cNvSpPr txBox="1"/>
           <p:nvPr>
             <p:ph idx="1" type="body"/>
@@ -916,7 +916,7 @@
   <p:cSld>
     <p:spTree>
       <p:nvGrpSpPr>
-        <p:cNvPr id="137" name="Shape 137"/>
+        <p:cNvPr id="133" name="Shape 133"/>
         <p:cNvGrpSpPr/>
         <p:nvPr/>
       </p:nvGrpSpPr>
@@ -930,7 +930,7 @@
       </p:grpSpPr>
       <p:sp>
         <p:nvSpPr>
-          <p:cNvPr id="138" name="Google Shape;138;gf116d115dc_1_553:notes"/>
+          <p:cNvPr id="134" name="Google Shape;134;gf116d115dc_1_452:notes"/>
           <p:cNvSpPr/>
           <p:nvPr>
             <p:ph idx="2" type="sldImg"/>
@@ -965,7 +965,7 @@
       </p:sp>
       <p:sp>
         <p:nvSpPr>
-          <p:cNvPr id="139" name="Google Shape;139;gf116d115dc_1_553:notes"/>
+          <p:cNvPr id="135" name="Google Shape;135;gf116d115dc_1_452:notes"/>
           <p:cNvSpPr txBox="1"/>
           <p:nvPr>
             <p:ph idx="1" type="body"/>
@@ -996,7 +996,90 @@
               <a:buNone/>
             </a:pPr>
             <a:r>
+              <a:rPr lang="en"/>
+              <a:t>When we plotted the 4 clusters with supply and demand the model gave us some nice groupings/classes. </a:t>
+            </a:r>
+            <a:endParaRPr/>
+          </a:p>
+          <a:p>
+            <a:pPr indent="0" lvl="0" marL="0" rtl="0" algn="l">
+              <a:spcBef>
+                <a:spcPts val="0"/>
+              </a:spcBef>
+              <a:spcAft>
+                <a:spcPts val="0"/>
+              </a:spcAft>
+              <a:buNone/>
+            </a:pPr>
+            <a:r>
               <a:t/>
+            </a:r>
+            <a:endParaRPr/>
+          </a:p>
+          <a:p>
+            <a:pPr indent="0" lvl="0" marL="0" rtl="0" algn="l">
+              <a:spcBef>
+                <a:spcPts val="0"/>
+              </a:spcBef>
+              <a:spcAft>
+                <a:spcPts val="0"/>
+              </a:spcAft>
+              <a:buNone/>
+            </a:pPr>
+            <a:r>
+              <a:rPr lang="en"/>
+              <a:t>At this point we then took these classes and appended them to each city in the dataset so that we could use it later on with some tools and visualize those </a:t>
+            </a:r>
+            <a:r>
+              <a:rPr lang="en"/>
+              <a:t>inefficiencies</a:t>
+            </a:r>
+            <a:r>
+              <a:rPr lang="en"/>
+              <a:t> I was talking about earlier.</a:t>
+            </a:r>
+            <a:endParaRPr/>
+          </a:p>
+          <a:p>
+            <a:pPr indent="0" lvl="0" marL="0" rtl="0" algn="l">
+              <a:spcBef>
+                <a:spcPts val="0"/>
+              </a:spcBef>
+              <a:spcAft>
+                <a:spcPts val="0"/>
+              </a:spcAft>
+              <a:buNone/>
+            </a:pPr>
+            <a:r>
+              <a:t/>
+            </a:r>
+            <a:endParaRPr/>
+          </a:p>
+          <a:p>
+            <a:pPr indent="0" lvl="0" marL="0" rtl="0" algn="l">
+              <a:spcBef>
+                <a:spcPts val="0"/>
+              </a:spcBef>
+              <a:spcAft>
+                <a:spcPts val="0"/>
+              </a:spcAft>
+              <a:buNone/>
+            </a:pPr>
+            <a:r>
+              <a:rPr lang="en"/>
+              <a:t>When I am done describing  what we did with the second model, </a:t>
+            </a:r>
+            <a:r>
+              <a:rPr lang="en">
+                <a:solidFill>
+                  <a:schemeClr val="dk1"/>
+                </a:solidFill>
+              </a:rPr>
+              <a:t>Lucy </a:t>
+            </a:r>
+            <a:r>
+              <a:rPr lang="en"/>
+              <a:t>will take over and show everybody the tools I am talking about and hopefully makes things clearer as to what we tried to do. </a:t>
             </a:r>
             <a:endParaRPr/>
           </a:p>
@@ -1015,7 +1098,7 @@
   <p:cSld>
     <p:spTree>
       <p:nvGrpSpPr>
-        <p:cNvPr id="143" name="Shape 143"/>
+        <p:cNvPr id="140" name="Shape 140"/>
         <p:cNvGrpSpPr/>
         <p:nvPr/>
       </p:nvGrpSpPr>
@@ -1029,7 +1112,7 @@
       </p:grpSpPr>
       <p:sp>
         <p:nvSpPr>
-          <p:cNvPr id="144" name="Google Shape;144;gf116d115dc_1_713:notes"/>
+          <p:cNvPr id="141" name="Google Shape;141;gf116d115dc_1_553:notes"/>
           <p:cNvSpPr/>
           <p:nvPr>
             <p:ph idx="2" type="sldImg"/>
@@ -1064,7 +1147,7 @@
       </p:sp>
       <p:sp>
         <p:nvSpPr>
-          <p:cNvPr id="145" name="Google Shape;145;gf116d115dc_1_713:notes"/>
+          <p:cNvPr id="142" name="Google Shape;142;gf116d115dc_1_553:notes"/>
           <p:cNvSpPr txBox="1"/>
           <p:nvPr>
             <p:ph idx="1" type="body"/>
@@ -1095,7 +1178,8 @@
               <a:buNone/>
             </a:pPr>
             <a:r>
-              <a:t/>
+              <a:rPr lang="en"/>
+              <a:t>Compare the predicted hotness ranks to the real hotness ranks and see if we could again find any inefficiencies and exploit them depending on what goals the user is trying to accomplish </a:t>
             </a:r>
             <a:endParaRPr/>
           </a:p>
@@ -1114,7 +1198,7 @@
   <p:cSld>
     <p:spTree>
       <p:nvGrpSpPr>
-        <p:cNvPr id="150" name="Shape 150"/>
+        <p:cNvPr id="146" name="Shape 146"/>
         <p:cNvGrpSpPr/>
         <p:nvPr/>
       </p:nvGrpSpPr>
@@ -1128,7 +1212,7 @@
       </p:grpSpPr>
       <p:sp>
         <p:nvSpPr>
-          <p:cNvPr id="151" name="Google Shape;151;gf116d115dc_1_764:notes"/>
+          <p:cNvPr id="147" name="Google Shape;147;gf116d115dc_1_713:notes"/>
           <p:cNvSpPr/>
           <p:nvPr>
             <p:ph idx="2" type="sldImg"/>
@@ -1163,7 +1247,7 @@
       </p:sp>
       <p:sp>
         <p:nvSpPr>
-          <p:cNvPr id="152" name="Google Shape;152;gf116d115dc_1_764:notes"/>
+          <p:cNvPr id="148" name="Google Shape;148;gf116d115dc_1_713:notes"/>
           <p:cNvSpPr txBox="1"/>
           <p:nvPr>
             <p:ph idx="1" type="body"/>
@@ -1194,7 +1278,39 @@
               <a:buNone/>
             </a:pPr>
             <a:r>
+              <a:rPr lang="en"/>
+              <a:t>67%, which makes sense, the hotness ranks can vary widely when compared with a particular demand score</a:t>
+            </a:r>
+            <a:endParaRPr/>
+          </a:p>
+          <a:p>
+            <a:pPr indent="0" lvl="0" marL="0" rtl="0" algn="l">
+              <a:spcBef>
+                <a:spcPts val="0"/>
+              </a:spcBef>
+              <a:spcAft>
+                <a:spcPts val="0"/>
+              </a:spcAft>
+              <a:buNone/>
+            </a:pPr>
+            <a:r>
               <a:t/>
+            </a:r>
+            <a:endParaRPr/>
+          </a:p>
+          <a:p>
+            <a:pPr indent="0" lvl="0" marL="0" rtl="0" algn="l">
+              <a:spcBef>
+                <a:spcPts val="0"/>
+              </a:spcBef>
+              <a:spcAft>
+                <a:spcPts val="0"/>
+              </a:spcAft>
+              <a:buNone/>
+            </a:pPr>
+            <a:r>
+              <a:rPr lang="en"/>
+              <a:t>The good news here is that at least our predictions, the blue regression line, is downward sloping which is the direction that the data points are heading</a:t>
             </a:r>
             <a:endParaRPr/>
           </a:p>
@@ -1213,7 +1329,7 @@
   <p:cSld>
     <p:spTree>
       <p:nvGrpSpPr>
-        <p:cNvPr id="156" name="Shape 156"/>
+        <p:cNvPr id="153" name="Shape 153"/>
         <p:cNvGrpSpPr/>
         <p:nvPr/>
       </p:nvGrpSpPr>
@@ -1227,7 +1343,7 @@
       </p:grpSpPr>
       <p:sp>
         <p:nvSpPr>
-          <p:cNvPr id="157" name="Google Shape;157;gf116d115dc_1_814:notes"/>
+          <p:cNvPr id="154" name="Google Shape;154;gf116d115dc_1_764:notes"/>
           <p:cNvSpPr/>
           <p:nvPr>
             <p:ph idx="2" type="sldImg"/>
@@ -1262,7 +1378,7 @@
       </p:sp>
       <p:sp>
         <p:nvSpPr>
-          <p:cNvPr id="158" name="Google Shape;158;gf116d115dc_1_814:notes"/>
+          <p:cNvPr id="155" name="Google Shape;155;gf116d115dc_1_764:notes"/>
           <p:cNvSpPr txBox="1"/>
           <p:nvPr>
             <p:ph idx="1" type="body"/>
@@ -1293,7 +1409,125 @@
               <a:buNone/>
             </a:pPr>
             <a:r>
+              <a:rPr lang="en"/>
+              <a:t>If this looks like the image I just showed you, you are correct, it basically the same thing.  </a:t>
+            </a:r>
+            <a:r>
+              <a:rPr lang="en"/>
+              <a:t>Accuracy</a:t>
+            </a:r>
+            <a:r>
+              <a:rPr lang="en"/>
+              <a:t> </a:t>
+            </a:r>
+            <a:r>
+              <a:rPr lang="en"/>
+              <a:t>score</a:t>
+            </a:r>
+            <a:r>
+              <a:rPr lang="en"/>
+              <a:t> was 67%.</a:t>
+            </a:r>
+            <a:endParaRPr/>
+          </a:p>
+          <a:p>
+            <a:pPr indent="0" lvl="0" marL="0" rtl="0" algn="l">
+              <a:spcBef>
+                <a:spcPts val="0"/>
+              </a:spcBef>
+              <a:spcAft>
+                <a:spcPts val="0"/>
+              </a:spcAft>
+              <a:buNone/>
+            </a:pPr>
+            <a:r>
               <a:t/>
+            </a:r>
+            <a:endParaRPr/>
+          </a:p>
+          <a:p>
+            <a:pPr indent="0" lvl="0" marL="0" rtl="0" algn="l">
+              <a:spcBef>
+                <a:spcPts val="0"/>
+              </a:spcBef>
+              <a:spcAft>
+                <a:spcPts val="0"/>
+              </a:spcAft>
+              <a:buNone/>
+            </a:pPr>
+            <a:r>
+              <a:rPr lang="en"/>
+              <a:t>Again, the takeaway here is that hotness rank varies so widely when comparing with a particular demand score that it really hard predict hotness rank with a simple linear model using demand score.</a:t>
+            </a:r>
+            <a:endParaRPr/>
+          </a:p>
+          <a:p>
+            <a:pPr indent="0" lvl="0" marL="0" rtl="0" algn="l">
+              <a:spcBef>
+                <a:spcPts val="0"/>
+              </a:spcBef>
+              <a:spcAft>
+                <a:spcPts val="0"/>
+              </a:spcAft>
+              <a:buNone/>
+            </a:pPr>
+            <a:r>
+              <a:t/>
+            </a:r>
+            <a:endParaRPr/>
+          </a:p>
+          <a:p>
+            <a:pPr indent="0" lvl="0" marL="0" rtl="0" algn="l">
+              <a:spcBef>
+                <a:spcPts val="0"/>
+              </a:spcBef>
+              <a:spcAft>
+                <a:spcPts val="0"/>
+              </a:spcAft>
+              <a:buNone/>
+            </a:pPr>
+            <a:r>
+              <a:rPr lang="en"/>
+              <a:t>Again, at least our predictions are going in downward direction, which is the same as the data points are going.</a:t>
+            </a:r>
+            <a:endParaRPr/>
+          </a:p>
+          <a:p>
+            <a:pPr indent="0" lvl="0" marL="0" rtl="0" algn="l">
+              <a:spcBef>
+                <a:spcPts val="0"/>
+              </a:spcBef>
+              <a:spcAft>
+                <a:spcPts val="0"/>
+              </a:spcAft>
+              <a:buNone/>
+            </a:pPr>
+            <a:r>
+              <a:t/>
+            </a:r>
+            <a:endParaRPr/>
+          </a:p>
+          <a:p>
+            <a:pPr indent="0" lvl="0" marL="0" rtl="0" algn="l">
+              <a:spcBef>
+                <a:spcPts val="0"/>
+              </a:spcBef>
+              <a:spcAft>
+                <a:spcPts val="0"/>
+              </a:spcAft>
+              <a:buNone/>
+            </a:pPr>
+            <a:r>
+              <a:rPr lang="en"/>
+              <a:t>Now I am going to finally hand it over to Lucy whose going to show those tools and visualizations I have been </a:t>
+            </a:r>
+            <a:r>
+              <a:rPr lang="en"/>
+              <a:t>rambling</a:t>
+            </a:r>
+            <a:r>
+              <a:rPr lang="en"/>
+              <a:t> on about. </a:t>
             </a:r>
             <a:endParaRPr/>
           </a:p>
@@ -1425,7 +1659,7 @@
       </p:grpSpPr>
       <p:sp>
         <p:nvSpPr>
-          <p:cNvPr id="77" name="Google Shape;77;gf116d115dc_2_5:notes"/>
+          <p:cNvPr id="77" name="Google Shape;77;gf116d115dc_2_16:notes"/>
           <p:cNvSpPr/>
           <p:nvPr>
             <p:ph idx="2" type="sldImg"/>
@@ -1460,7 +1694,7 @@
       </p:sp>
       <p:sp>
         <p:nvSpPr>
-          <p:cNvPr id="78" name="Google Shape;78;gf116d115dc_2_5:notes"/>
+          <p:cNvPr id="78" name="Google Shape;78;gf116d115dc_2_16:notes"/>
           <p:cNvSpPr txBox="1"/>
           <p:nvPr>
             <p:ph idx="1" type="body"/>
@@ -1524,7 +1758,7 @@
       </p:grpSpPr>
       <p:sp>
         <p:nvSpPr>
-          <p:cNvPr id="83" name="Google Shape;83;gf116d115dc_0_5:notes"/>
+          <p:cNvPr id="83" name="Google Shape;83;gf116d115dc_2_5:notes"/>
           <p:cNvSpPr/>
           <p:nvPr>
             <p:ph idx="2" type="sldImg"/>
@@ -1559,7 +1793,7 @@
       </p:sp>
       <p:sp>
         <p:nvSpPr>
-          <p:cNvPr id="84" name="Google Shape;84;gf116d115dc_0_5:notes"/>
+          <p:cNvPr id="84" name="Google Shape;84;gf116d115dc_2_5:notes"/>
           <p:cNvSpPr txBox="1"/>
           <p:nvPr>
             <p:ph idx="1" type="body"/>
@@ -1609,7 +1843,7 @@
   <p:cSld>
     <p:spTree>
       <p:nvGrpSpPr>
-        <p:cNvPr id="90" name="Shape 90"/>
+        <p:cNvPr id="88" name="Shape 88"/>
         <p:cNvGrpSpPr/>
         <p:nvPr/>
       </p:nvGrpSpPr>
@@ -1623,7 +1857,7 @@
       </p:grpSpPr>
       <p:sp>
         <p:nvSpPr>
-          <p:cNvPr id="91" name="Google Shape;91;gf116d115dc_0_39:notes"/>
+          <p:cNvPr id="89" name="Google Shape;89;gf116d115dc_0_5:notes"/>
           <p:cNvSpPr/>
           <p:nvPr>
             <p:ph idx="2" type="sldImg"/>
@@ -1658,7 +1892,7 @@
       </p:sp>
       <p:sp>
         <p:nvSpPr>
-          <p:cNvPr id="92" name="Google Shape;92;gf116d115dc_0_39:notes"/>
+          <p:cNvPr id="90" name="Google Shape;90;gf116d115dc_0_5:notes"/>
           <p:cNvSpPr txBox="1"/>
           <p:nvPr>
             <p:ph idx="1" type="body"/>
@@ -1708,7 +1942,7 @@
   <p:cSld>
     <p:spTree>
       <p:nvGrpSpPr>
-        <p:cNvPr id="97" name="Shape 97"/>
+        <p:cNvPr id="96" name="Shape 96"/>
         <p:cNvGrpSpPr/>
         <p:nvPr/>
       </p:nvGrpSpPr>
@@ -1722,7 +1956,7 @@
       </p:grpSpPr>
       <p:sp>
         <p:nvSpPr>
-          <p:cNvPr id="98" name="Google Shape;98;gf116d115dc_0_26:notes"/>
+          <p:cNvPr id="97" name="Google Shape;97;gf116d115dc_0_39:notes"/>
           <p:cNvSpPr/>
           <p:nvPr>
             <p:ph idx="2" type="sldImg"/>
@@ -1757,7 +1991,7 @@
       </p:sp>
       <p:sp>
         <p:nvSpPr>
-          <p:cNvPr id="99" name="Google Shape;99;gf116d115dc_0_26:notes"/>
+          <p:cNvPr id="98" name="Google Shape;98;gf116d115dc_0_39:notes"/>
           <p:cNvSpPr txBox="1"/>
           <p:nvPr>
             <p:ph idx="1" type="body"/>
@@ -1807,7 +2041,7 @@
   <p:cSld>
     <p:spTree>
       <p:nvGrpSpPr>
-        <p:cNvPr id="106" name="Shape 106"/>
+        <p:cNvPr id="103" name="Shape 103"/>
         <p:cNvGrpSpPr/>
         <p:nvPr/>
       </p:nvGrpSpPr>
@@ -1821,7 +2055,7 @@
       </p:grpSpPr>
       <p:sp>
         <p:nvSpPr>
-          <p:cNvPr id="107" name="Google Shape;107;gf116d115dc_0_10:notes"/>
+          <p:cNvPr id="104" name="Google Shape;104;gf116d115dc_0_26:notes"/>
           <p:cNvSpPr/>
           <p:nvPr>
             <p:ph idx="2" type="sldImg"/>
@@ -1856,7 +2090,7 @@
       </p:sp>
       <p:sp>
         <p:nvSpPr>
-          <p:cNvPr id="108" name="Google Shape;108;gf116d115dc_0_10:notes"/>
+          <p:cNvPr id="105" name="Google Shape;105;gf116d115dc_0_26:notes"/>
           <p:cNvSpPr txBox="1"/>
           <p:nvPr>
             <p:ph idx="1" type="body"/>
@@ -1906,7 +2140,7 @@
   <p:cSld>
     <p:spTree>
       <p:nvGrpSpPr>
-        <p:cNvPr id="113" name="Shape 113"/>
+        <p:cNvPr id="112" name="Shape 112"/>
         <p:cNvGrpSpPr/>
         <p:nvPr/>
       </p:nvGrpSpPr>
@@ -1920,7 +2154,7 @@
       </p:grpSpPr>
       <p:sp>
         <p:nvSpPr>
-          <p:cNvPr id="114" name="Google Shape;114;gf2427db9c1_0_0:notes"/>
+          <p:cNvPr id="113" name="Google Shape;113;gf116d115dc_0_10:notes"/>
           <p:cNvSpPr/>
           <p:nvPr>
             <p:ph idx="2" type="sldImg"/>
@@ -1955,7 +2189,7 @@
       </p:sp>
       <p:sp>
         <p:nvSpPr>
-          <p:cNvPr id="115" name="Google Shape;115;gf2427db9c1_0_0:notes"/>
+          <p:cNvPr id="114" name="Google Shape;114;gf116d115dc_0_10:notes"/>
           <p:cNvSpPr txBox="1"/>
           <p:nvPr>
             <p:ph idx="1" type="body"/>
@@ -1986,7 +2220,47 @@
               <a:buNone/>
             </a:pPr>
             <a:r>
+              <a:rPr lang="en"/>
+              <a:t>For this project, we initially only intended to use one model which was an unsupervised clustering K-means model to identify patterns in the data, but once we observed the output and </a:t>
+            </a:r>
+            <a:r>
+              <a:rPr lang="en"/>
+              <a:t>patterns</a:t>
+            </a:r>
+            <a:r>
+              <a:rPr lang="en"/>
+              <a:t> that the clustering  model gave us, we realized we could try and do some predictions as well. </a:t>
+            </a:r>
+            <a:endParaRPr/>
+          </a:p>
+          <a:p>
+            <a:pPr indent="0" lvl="0" marL="0" rtl="0" algn="l">
+              <a:spcBef>
+                <a:spcPts val="0"/>
+              </a:spcBef>
+              <a:spcAft>
+                <a:spcPts val="0"/>
+              </a:spcAft>
+              <a:buNone/>
+            </a:pPr>
+            <a:r>
               <a:t/>
+            </a:r>
+            <a:endParaRPr/>
+          </a:p>
+          <a:p>
+            <a:pPr indent="0" lvl="0" marL="0" rtl="0" algn="l">
+              <a:spcBef>
+                <a:spcPts val="0"/>
+              </a:spcBef>
+              <a:spcAft>
+                <a:spcPts val="0"/>
+              </a:spcAft>
+              <a:buNone/>
+            </a:pPr>
+            <a:r>
+              <a:rPr lang="en"/>
+              <a:t>So we implemented a 2nd model, supervised simple linear regression model to see if we could create those said predictions</a:t>
             </a:r>
             <a:endParaRPr/>
           </a:p>
@@ -2005,7 +2279,7 @@
   <p:cSld>
     <p:spTree>
       <p:nvGrpSpPr>
-        <p:cNvPr id="123" name="Shape 123"/>
+        <p:cNvPr id="119" name="Shape 119"/>
         <p:cNvGrpSpPr/>
         <p:nvPr/>
       </p:nvGrpSpPr>
@@ -2019,7 +2293,7 @@
       </p:grpSpPr>
       <p:sp>
         <p:nvSpPr>
-          <p:cNvPr id="124" name="Google Shape;124;gf116d115dc_1_351:notes"/>
+          <p:cNvPr id="120" name="Google Shape;120;gf2427db9c1_0_0:notes"/>
           <p:cNvSpPr/>
           <p:nvPr>
             <p:ph idx="2" type="sldImg"/>
@@ -2054,7 +2328,7 @@
       </p:sp>
       <p:sp>
         <p:nvSpPr>
-          <p:cNvPr id="125" name="Google Shape;125;gf116d115dc_1_351:notes"/>
+          <p:cNvPr id="121" name="Google Shape;121;gf2427db9c1_0_0:notes"/>
           <p:cNvSpPr txBox="1"/>
           <p:nvPr>
             <p:ph idx="1" type="body"/>
@@ -2074,6 +2348,57 @@
             <a:noAutofit/>
           </a:bodyPr>
           <a:lstStyle/>
+          <a:p>
+            <a:pPr indent="0" lvl="0" marL="0" rtl="0" algn="l">
+              <a:spcBef>
+                <a:spcPts val="0"/>
+              </a:spcBef>
+              <a:spcAft>
+                <a:spcPts val="0"/>
+              </a:spcAft>
+              <a:buNone/>
+            </a:pPr>
+            <a:r>
+              <a:rPr lang="en"/>
+              <a:t>So , we have some real </a:t>
+            </a:r>
+            <a:r>
+              <a:rPr lang="en"/>
+              <a:t>estate data from realtor.com which we felt had some good features to use, but we weren’t sure what we could or even wanted to predict with those features.  We kind of got stuck in rut basically. . </a:t>
+            </a:r>
+            <a:endParaRPr/>
+          </a:p>
+          <a:p>
+            <a:pPr indent="0" lvl="0" marL="0" rtl="0" algn="l">
+              <a:spcBef>
+                <a:spcPts val="0"/>
+              </a:spcBef>
+              <a:spcAft>
+                <a:spcPts val="0"/>
+              </a:spcAft>
+              <a:buNone/>
+            </a:pPr>
+            <a:r>
+              <a:t/>
+            </a:r>
+            <a:endParaRPr/>
+          </a:p>
+          <a:p>
+            <a:pPr indent="0" lvl="0" marL="0" rtl="0" algn="l">
+              <a:spcBef>
+                <a:spcPts val="0"/>
+              </a:spcBef>
+              <a:spcAft>
+                <a:spcPts val="0"/>
+              </a:spcAft>
+              <a:buNone/>
+            </a:pPr>
+            <a:r>
+              <a:rPr lang="en"/>
+              <a:t>So, we figured if we could just try and identify patterns in the data, we could then possibly use those patterns against other features later on to find inefficiencies.  If you were a buyer, or a seller, or real estate agent or a flipper, you could see those inefficiencies and exploit them based on what your goals are. </a:t>
+            </a:r>
+            <a:endParaRPr/>
+          </a:p>
           <a:p>
             <a:pPr indent="0" lvl="0" marL="0" rtl="0" algn="l">
               <a:spcBef>
@@ -7694,7 +8019,7 @@
   <p:cSld>
     <p:spTree>
       <p:nvGrpSpPr>
-        <p:cNvPr id="133" name="Shape 133"/>
+        <p:cNvPr id="129" name="Shape 129"/>
         <p:cNvGrpSpPr/>
         <p:nvPr/>
       </p:nvGrpSpPr>
@@ -7708,7 +8033,276 @@
       </p:grpSpPr>
       <p:sp>
         <p:nvSpPr>
-          <p:cNvPr id="134" name="Google Shape;134;p22"/>
+          <p:cNvPr id="130" name="Google Shape;130;p22"/>
+          <p:cNvSpPr txBox="1"/>
+          <p:nvPr>
+            <p:ph type="ctrTitle"/>
+          </p:nvPr>
+        </p:nvSpPr>
+        <p:spPr>
+          <a:xfrm>
+            <a:off x="311700" y="439775"/>
+            <a:ext cx="8520600" cy="486900"/>
+          </a:xfrm>
+          <a:prstGeom prst="rect">
+            <a:avLst/>
+          </a:prstGeom>
+        </p:spPr>
+        <p:txBody>
+          <a:bodyPr anchorCtr="0" anchor="b" bIns="91425" lIns="91425" spcFirstLastPara="1" rIns="91425" wrap="square" tIns="91425">
+            <a:noAutofit/>
+          </a:bodyPr>
+          <a:lstStyle/>
+          <a:p>
+            <a:pPr indent="0" lvl="0" marL="0" rtl="0" algn="l">
+              <a:spcBef>
+                <a:spcPts val="0"/>
+              </a:spcBef>
+              <a:spcAft>
+                <a:spcPts val="0"/>
+              </a:spcAft>
+              <a:buSzPts val="990"/>
+              <a:buNone/>
+            </a:pPr>
+            <a:r>
+              <a:rPr lang="en" sz="2180"/>
+              <a:t>Unsupervised Clustering K-Means Model: Elbow Method</a:t>
+            </a:r>
+            <a:endParaRPr sz="2180"/>
+          </a:p>
+        </p:txBody>
+      </p:sp>
+      <p:sp>
+        <p:nvSpPr>
+          <p:cNvPr id="131" name="Google Shape;131;p22"/>
+          <p:cNvSpPr txBox="1"/>
+          <p:nvPr>
+            <p:ph idx="1" type="subTitle"/>
+          </p:nvPr>
+        </p:nvSpPr>
+        <p:spPr>
+          <a:xfrm>
+            <a:off x="374825" y="1351900"/>
+            <a:ext cx="8520600" cy="3141900"/>
+          </a:xfrm>
+          <a:prstGeom prst="rect">
+            <a:avLst/>
+          </a:prstGeom>
+        </p:spPr>
+        <p:txBody>
+          <a:bodyPr anchorCtr="0" anchor="t" bIns="91425" lIns="91425" spcFirstLastPara="1" rIns="91425" wrap="square" tIns="91425">
+            <a:normAutofit fontScale="47500" lnSpcReduction="20000"/>
+          </a:bodyPr>
+          <a:lstStyle/>
+          <a:p>
+            <a:pPr indent="0" lvl="0" marL="0" rtl="0" algn="l">
+              <a:spcBef>
+                <a:spcPts val="0"/>
+              </a:spcBef>
+              <a:spcAft>
+                <a:spcPts val="0"/>
+              </a:spcAft>
+              <a:buNone/>
+            </a:pPr>
+            <a:r>
+              <a:t/>
+            </a:r>
+            <a:endParaRPr i="1" sz="7427"/>
+          </a:p>
+          <a:p>
+            <a:pPr indent="0" lvl="0" marL="0" rtl="0" algn="l">
+              <a:spcBef>
+                <a:spcPts val="0"/>
+              </a:spcBef>
+              <a:spcAft>
+                <a:spcPts val="0"/>
+              </a:spcAft>
+              <a:buNone/>
+            </a:pPr>
+            <a:r>
+              <a:t/>
+            </a:r>
+            <a:endParaRPr i="1" sz="7427"/>
+          </a:p>
+          <a:p>
+            <a:pPr indent="0" lvl="0" marL="0" rtl="0" algn="l">
+              <a:spcBef>
+                <a:spcPts val="0"/>
+              </a:spcBef>
+              <a:spcAft>
+                <a:spcPts val="0"/>
+              </a:spcAft>
+              <a:buNone/>
+            </a:pPr>
+            <a:r>
+              <a:t/>
+            </a:r>
+            <a:endParaRPr i="1" sz="7427"/>
+          </a:p>
+          <a:p>
+            <a:pPr indent="0" lvl="0" marL="0" rtl="0" algn="l">
+              <a:spcBef>
+                <a:spcPts val="0"/>
+              </a:spcBef>
+              <a:spcAft>
+                <a:spcPts val="0"/>
+              </a:spcAft>
+              <a:buNone/>
+            </a:pPr>
+            <a:r>
+              <a:t/>
+            </a:r>
+            <a:endParaRPr i="1" sz="7427"/>
+          </a:p>
+          <a:p>
+            <a:pPr indent="0" lvl="0" marL="0" rtl="0" algn="l">
+              <a:spcBef>
+                <a:spcPts val="0"/>
+              </a:spcBef>
+              <a:spcAft>
+                <a:spcPts val="0"/>
+              </a:spcAft>
+              <a:buNone/>
+            </a:pPr>
+            <a:r>
+              <a:t/>
+            </a:r>
+            <a:endParaRPr i="1" sz="3731"/>
+          </a:p>
+          <a:p>
+            <a:pPr indent="0" lvl="0" marL="0" rtl="0" algn="l">
+              <a:spcBef>
+                <a:spcPts val="0"/>
+              </a:spcBef>
+              <a:spcAft>
+                <a:spcPts val="0"/>
+              </a:spcAft>
+              <a:buNone/>
+            </a:pPr>
+            <a:r>
+              <a:t/>
+            </a:r>
+            <a:endParaRPr i="1" sz="3731"/>
+          </a:p>
+          <a:p>
+            <a:pPr indent="0" lvl="0" marL="0" rtl="0" algn="l">
+              <a:spcBef>
+                <a:spcPts val="0"/>
+              </a:spcBef>
+              <a:spcAft>
+                <a:spcPts val="0"/>
+              </a:spcAft>
+              <a:buNone/>
+            </a:pPr>
+            <a:r>
+              <a:t/>
+            </a:r>
+            <a:endParaRPr sz="2100"/>
+          </a:p>
+          <a:p>
+            <a:pPr indent="0" lvl="0" marL="0" rtl="0" algn="l">
+              <a:spcBef>
+                <a:spcPts val="0"/>
+              </a:spcBef>
+              <a:spcAft>
+                <a:spcPts val="0"/>
+              </a:spcAft>
+              <a:buNone/>
+            </a:pPr>
+            <a:r>
+              <a:t/>
+            </a:r>
+            <a:endParaRPr sz="2100"/>
+          </a:p>
+          <a:p>
+            <a:pPr indent="0" lvl="0" marL="0" rtl="0" algn="l">
+              <a:spcBef>
+                <a:spcPts val="0"/>
+              </a:spcBef>
+              <a:spcAft>
+                <a:spcPts val="0"/>
+              </a:spcAft>
+              <a:buNone/>
+            </a:pPr>
+            <a:r>
+              <a:rPr lang="en" sz="2100"/>
+              <a:t>	</a:t>
+            </a:r>
+            <a:endParaRPr sz="2100"/>
+          </a:p>
+          <a:p>
+            <a:pPr indent="0" lvl="0" marL="0" rtl="0" algn="l">
+              <a:spcBef>
+                <a:spcPts val="0"/>
+              </a:spcBef>
+              <a:spcAft>
+                <a:spcPts val="0"/>
+              </a:spcAft>
+              <a:buNone/>
+            </a:pPr>
+            <a:r>
+              <a:t/>
+            </a:r>
+            <a:endParaRPr/>
+          </a:p>
+        </p:txBody>
+      </p:sp>
+      <p:pic>
+        <p:nvPicPr>
+          <p:cNvPr id="132" name="Google Shape;132;p22"/>
+          <p:cNvPicPr preferRelativeResize="0"/>
+          <p:nvPr/>
+        </p:nvPicPr>
+        <p:blipFill>
+          <a:blip r:embed="rId3">
+            <a:alphaModFix/>
+          </a:blip>
+          <a:stretch>
+            <a:fillRect/>
+          </a:stretch>
+        </p:blipFill>
+        <p:spPr>
+          <a:xfrm>
+            <a:off x="346500" y="1320275"/>
+            <a:ext cx="8892824" cy="3695700"/>
+          </a:xfrm>
+          <a:prstGeom prst="rect">
+            <a:avLst/>
+          </a:prstGeom>
+          <a:noFill/>
+          <a:ln>
+            <a:noFill/>
+          </a:ln>
+        </p:spPr>
+      </p:pic>
+    </p:spTree>
+  </p:cSld>
+  <p:clrMapOvr>
+    <a:masterClrMapping/>
+  </p:clrMapOvr>
+</p:sld>
+</file>
+
+<file path=ppt/slides/slide11.xml><?xml version="1.0" encoding="utf-8"?>
+<p:sld xmlns:a="http://schemas.openxmlformats.org/drawingml/2006/main" xmlns:r="http://schemas.openxmlformats.org/officeDocument/2006/relationships" xmlns:mc="http://schemas.openxmlformats.org/markup-compatibility/2006" xmlns:mv="urn:schemas-microsoft-com:mac:vml" xmlns:p="http://schemas.openxmlformats.org/presentationml/2006/main" xmlns:c="http://schemas.openxmlformats.org/drawingml/2006/chart" xmlns:dgm="http://schemas.openxmlformats.org/drawingml/2006/diagram" xmlns:o="urn:schemas-microsoft-com:office:office" xmlns:v="urn:schemas-microsoft-com:vml" xmlns:pvml="urn:schemas-microsoft-com:office:powerpoint" xmlns:com="http://schemas.openxmlformats.org/drawingml/2006/compatibility" xmlns:p14="http://schemas.microsoft.com/office/powerpoint/2010/main" xmlns:p15="http://schemas.microsoft.com/office/powerpoint/2012/main" xmlns:ahyp="http://schemas.microsoft.com/office/drawing/2018/hyperlinkcolor">
+  <p:cSld>
+    <p:spTree>
+      <p:nvGrpSpPr>
+        <p:cNvPr id="136" name="Shape 136"/>
+        <p:cNvGrpSpPr/>
+        <p:nvPr/>
+      </p:nvGrpSpPr>
+      <p:grpSpPr>
+        <a:xfrm>
+          <a:off x="0" y="0"/>
+          <a:ext cx="0" cy="0"/>
+          <a:chOff x="0" y="0"/>
+          <a:chExt cx="0" cy="0"/>
+        </a:xfrm>
+      </p:grpSpPr>
+      <p:sp>
+        <p:nvSpPr>
+          <p:cNvPr id="137" name="Google Shape;137;p23"/>
           <p:cNvSpPr txBox="1"/>
           <p:nvPr>
             <p:ph type="ctrTitle"/>
@@ -7749,7 +8343,7 @@
       </p:sp>
       <p:sp>
         <p:nvSpPr>
-          <p:cNvPr id="135" name="Google Shape;135;p22"/>
+          <p:cNvPr id="138" name="Google Shape;138;p23"/>
           <p:cNvSpPr txBox="1"/>
           <p:nvPr>
             <p:ph idx="1" type="subTitle"/>
@@ -7879,7 +8473,7 @@
       </p:sp>
       <p:pic>
         <p:nvPicPr>
-          <p:cNvPr id="136" name="Google Shape;136;p22"/>
+          <p:cNvPr id="139" name="Google Shape;139;p23"/>
           <p:cNvPicPr preferRelativeResize="0"/>
           <p:nvPr/>
         </p:nvPicPr>
@@ -7913,12 +8507,12 @@
 </p:sld>
 </file>
 
-<file path=ppt/slides/slide11.xml><?xml version="1.0" encoding="utf-8"?>
+<file path=ppt/slides/slide12.xml><?xml version="1.0" encoding="utf-8"?>
 <p:sld xmlns:a="http://schemas.openxmlformats.org/drawingml/2006/main" xmlns:r="http://schemas.openxmlformats.org/officeDocument/2006/relationships" xmlns:mc="http://schemas.openxmlformats.org/markup-compatibility/2006" xmlns:mv="urn:schemas-microsoft-com:mac:vml" xmlns:p="http://schemas.openxmlformats.org/presentationml/2006/main" xmlns:c="http://schemas.openxmlformats.org/drawingml/2006/chart" xmlns:dgm="http://schemas.openxmlformats.org/drawingml/2006/diagram" xmlns:o="urn:schemas-microsoft-com:office:office" xmlns:v="urn:schemas-microsoft-com:vml" xmlns:pvml="urn:schemas-microsoft-com:office:powerpoint" xmlns:com="http://schemas.openxmlformats.org/drawingml/2006/compatibility" xmlns:p14="http://schemas.microsoft.com/office/powerpoint/2010/main" xmlns:p15="http://schemas.microsoft.com/office/powerpoint/2012/main" xmlns:ahyp="http://schemas.microsoft.com/office/drawing/2018/hyperlinkcolor">
   <p:cSld>
     <p:spTree>
       <p:nvGrpSpPr>
-        <p:cNvPr id="140" name="Shape 140"/>
+        <p:cNvPr id="143" name="Shape 143"/>
         <p:cNvGrpSpPr/>
         <p:nvPr/>
       </p:nvGrpSpPr>
@@ -7932,7 +8526,7 @@
       </p:grpSpPr>
       <p:sp>
         <p:nvSpPr>
-          <p:cNvPr id="141" name="Google Shape;141;p23"/>
+          <p:cNvPr id="144" name="Google Shape;144;p24"/>
           <p:cNvSpPr txBox="1"/>
           <p:nvPr>
             <p:ph type="title"/>
@@ -7973,7 +8567,7 @@
       </p:sp>
       <p:sp>
         <p:nvSpPr>
-          <p:cNvPr id="142" name="Google Shape;142;p23"/>
+          <p:cNvPr id="145" name="Google Shape;145;p24"/>
           <p:cNvSpPr txBox="1"/>
           <p:nvPr>
             <p:ph idx="1" type="body"/>
@@ -7990,7 +8584,7 @@
         </p:spPr>
         <p:txBody>
           <a:bodyPr anchorCtr="0" anchor="t" bIns="91425" lIns="91425" spcFirstLastPara="1" rIns="91425" wrap="square" tIns="91425">
-            <a:normAutofit fontScale="62500" lnSpcReduction="20000"/>
+            <a:normAutofit fontScale="77500" lnSpcReduction="20000"/>
           </a:bodyPr>
           <a:lstStyle/>
           <a:p>
@@ -8010,7 +8604,7 @@
             <a:endParaRPr i="1" sz="2450"/>
           </a:p>
           <a:p>
-            <a:pPr indent="-325834" lvl="0" marL="457200" rtl="0" algn="l">
+            <a:pPr indent="-349170" lvl="0" marL="457200" rtl="0" algn="l">
               <a:spcBef>
                 <a:spcPts val="1200"/>
               </a:spcBef>
@@ -8022,7 +8616,7 @@
             </a:pPr>
             <a:r>
               <a:rPr lang="en" sz="2450"/>
-              <a:t>Predict hotness rank</a:t>
+              <a:t>Predict hotness rank </a:t>
             </a:r>
             <a:endParaRPr sz="2450"/>
           </a:p>
@@ -8043,7 +8637,7 @@
             <a:endParaRPr i="1" sz="2450"/>
           </a:p>
           <a:p>
-            <a:pPr indent="-325834" lvl="0" marL="457200" rtl="0" algn="l">
+            <a:pPr indent="-349170" lvl="0" marL="457200" rtl="0" algn="l">
               <a:spcBef>
                 <a:spcPts val="1200"/>
               </a:spcBef>
@@ -8055,7 +8649,7 @@
             </a:pPr>
             <a:r>
               <a:rPr lang="en" sz="2450"/>
-              <a:t>Compare predicted hotness ranks to the real hotness ranks and look for inefficiencies.</a:t>
+              <a:t>Compare predicted hotness ranks to the real hotness ranks.</a:t>
             </a:r>
             <a:endParaRPr sz="2450"/>
           </a:p>
@@ -8076,7 +8670,7 @@
             <a:endParaRPr sz="2450"/>
           </a:p>
           <a:p>
-            <a:pPr indent="-325834" lvl="0" marL="457200" rtl="0" algn="l">
+            <a:pPr indent="-349170" lvl="0" marL="457200" rtl="0" algn="l">
               <a:spcBef>
                 <a:spcPts val="1200"/>
               </a:spcBef>
@@ -8088,7 +8682,7 @@
             </a:pPr>
             <a:r>
               <a:rPr lang="en" sz="2450"/>
-              <a:t>Same dataset was used for unsupervised cluster model.</a:t>
+              <a:t>Same dataset as used for unsupervised cluster model.</a:t>
             </a:r>
             <a:br>
               <a:rPr lang="en" sz="2450"/>
@@ -8096,7 +8690,7 @@
             <a:endParaRPr sz="2450"/>
           </a:p>
           <a:p>
-            <a:pPr indent="-325834" lvl="0" marL="457200" rtl="0" algn="l">
+            <a:pPr indent="-349170" lvl="0" marL="457200" rtl="0" algn="l">
               <a:spcBef>
                 <a:spcPts val="0"/>
               </a:spcBef>
@@ -8109,26 +8703,6 @@
             <a:r>
               <a:rPr lang="en" sz="2450"/>
               <a:t>Use Fit method to train the simple linear regression model.</a:t>
-            </a:r>
-            <a:br>
-              <a:rPr lang="en" sz="2450"/>
-            </a:br>
-            <a:endParaRPr sz="2450"/>
-          </a:p>
-          <a:p>
-            <a:pPr indent="-325834" lvl="0" marL="457200" rtl="0" algn="l">
-              <a:spcBef>
-                <a:spcPts val="0"/>
-              </a:spcBef>
-              <a:spcAft>
-                <a:spcPts val="0"/>
-              </a:spcAft>
-              <a:buSzPct val="100000"/>
-              <a:buChar char="●"/>
-            </a:pPr>
-            <a:r>
-              <a:rPr lang="en" sz="2450"/>
-              <a:t>Visualize Train set and Test set results.</a:t>
             </a:r>
             <a:endParaRPr/>
           </a:p>
@@ -8142,12 +8716,12 @@
 </p:sld>
 </file>
 
-<file path=ppt/slides/slide12.xml><?xml version="1.0" encoding="utf-8"?>
+<file path=ppt/slides/slide13.xml><?xml version="1.0" encoding="utf-8"?>
 <p:sld xmlns:a="http://schemas.openxmlformats.org/drawingml/2006/main" xmlns:r="http://schemas.openxmlformats.org/officeDocument/2006/relationships" xmlns:mc="http://schemas.openxmlformats.org/markup-compatibility/2006" xmlns:mv="urn:schemas-microsoft-com:mac:vml" xmlns:p="http://schemas.openxmlformats.org/presentationml/2006/main" xmlns:c="http://schemas.openxmlformats.org/drawingml/2006/chart" xmlns:dgm="http://schemas.openxmlformats.org/drawingml/2006/diagram" xmlns:o="urn:schemas-microsoft-com:office:office" xmlns:v="urn:schemas-microsoft-com:vml" xmlns:pvml="urn:schemas-microsoft-com:office:powerpoint" xmlns:com="http://schemas.openxmlformats.org/drawingml/2006/compatibility" xmlns:p14="http://schemas.microsoft.com/office/powerpoint/2010/main" xmlns:p15="http://schemas.microsoft.com/office/powerpoint/2012/main" xmlns:ahyp="http://schemas.microsoft.com/office/drawing/2018/hyperlinkcolor">
   <p:cSld>
     <p:spTree>
       <p:nvGrpSpPr>
-        <p:cNvPr id="146" name="Shape 146"/>
+        <p:cNvPr id="149" name="Shape 149"/>
         <p:cNvGrpSpPr/>
         <p:nvPr/>
       </p:nvGrpSpPr>
@@ -8161,7 +8735,7 @@
       </p:grpSpPr>
       <p:sp>
         <p:nvSpPr>
-          <p:cNvPr id="147" name="Google Shape;147;p24"/>
+          <p:cNvPr id="150" name="Google Shape;150;p25"/>
           <p:cNvSpPr txBox="1"/>
           <p:nvPr>
             <p:ph type="ctrTitle"/>
@@ -8202,7 +8776,7 @@
       </p:sp>
       <p:sp>
         <p:nvSpPr>
-          <p:cNvPr id="148" name="Google Shape;148;p24"/>
+          <p:cNvPr id="151" name="Google Shape;151;p25"/>
           <p:cNvSpPr txBox="1"/>
           <p:nvPr>
             <p:ph idx="1" type="subTitle"/>
@@ -8332,7 +8906,7 @@
       </p:sp>
       <p:pic>
         <p:nvPicPr>
-          <p:cNvPr id="149" name="Google Shape;149;p24"/>
+          <p:cNvPr id="152" name="Google Shape;152;p25"/>
           <p:cNvPicPr preferRelativeResize="0"/>
           <p:nvPr/>
         </p:nvPicPr>
@@ -8366,12 +8940,12 @@
 </p:sld>
 </file>
 
-<file path=ppt/slides/slide13.xml><?xml version="1.0" encoding="utf-8"?>
+<file path=ppt/slides/slide14.xml><?xml version="1.0" encoding="utf-8"?>
 <p:sld xmlns:a="http://schemas.openxmlformats.org/drawingml/2006/main" xmlns:r="http://schemas.openxmlformats.org/officeDocument/2006/relationships" xmlns:mc="http://schemas.openxmlformats.org/markup-compatibility/2006" xmlns:mv="urn:schemas-microsoft-com:mac:vml" xmlns:p="http://schemas.openxmlformats.org/presentationml/2006/main" xmlns:c="http://schemas.openxmlformats.org/drawingml/2006/chart" xmlns:dgm="http://schemas.openxmlformats.org/drawingml/2006/diagram" xmlns:o="urn:schemas-microsoft-com:office:office" xmlns:v="urn:schemas-microsoft-com:vml" xmlns:pvml="urn:schemas-microsoft-com:office:powerpoint" xmlns:com="http://schemas.openxmlformats.org/drawingml/2006/compatibility" xmlns:p14="http://schemas.microsoft.com/office/powerpoint/2010/main" xmlns:p15="http://schemas.microsoft.com/office/powerpoint/2012/main" xmlns:ahyp="http://schemas.microsoft.com/office/drawing/2018/hyperlinkcolor">
   <p:cSld>
     <p:spTree>
       <p:nvGrpSpPr>
-        <p:cNvPr id="153" name="Shape 153"/>
+        <p:cNvPr id="156" name="Shape 156"/>
         <p:cNvGrpSpPr/>
         <p:nvPr/>
       </p:nvGrpSpPr>
@@ -8385,7 +8959,7 @@
       </p:grpSpPr>
       <p:sp>
         <p:nvSpPr>
-          <p:cNvPr id="154" name="Google Shape;154;p25"/>
+          <p:cNvPr id="157" name="Google Shape;157;p26"/>
           <p:cNvSpPr txBox="1"/>
           <p:nvPr>
             <p:ph type="ctrTitle"/>
@@ -8426,7 +9000,7 @@
       </p:sp>
       <p:pic>
         <p:nvPicPr>
-          <p:cNvPr id="155" name="Google Shape;155;p25"/>
+          <p:cNvPr id="158" name="Google Shape;158;p26"/>
           <p:cNvPicPr preferRelativeResize="0"/>
           <p:nvPr/>
         </p:nvPicPr>
@@ -8452,202 +9026,6 @@
           </a:ln>
         </p:spPr>
       </p:pic>
-    </p:spTree>
-  </p:cSld>
-  <p:clrMapOvr>
-    <a:masterClrMapping/>
-  </p:clrMapOvr>
-</p:sld>
-</file>
-
-<file path=ppt/slides/slide14.xml><?xml version="1.0" encoding="utf-8"?>
-<p:sld xmlns:a="http://schemas.openxmlformats.org/drawingml/2006/main" xmlns:r="http://schemas.openxmlformats.org/officeDocument/2006/relationships" xmlns:mc="http://schemas.openxmlformats.org/markup-compatibility/2006" xmlns:mv="urn:schemas-microsoft-com:mac:vml" xmlns:p="http://schemas.openxmlformats.org/presentationml/2006/main" xmlns:c="http://schemas.openxmlformats.org/drawingml/2006/chart" xmlns:dgm="http://schemas.openxmlformats.org/drawingml/2006/diagram" xmlns:o="urn:schemas-microsoft-com:office:office" xmlns:v="urn:schemas-microsoft-com:vml" xmlns:pvml="urn:schemas-microsoft-com:office:powerpoint" xmlns:com="http://schemas.openxmlformats.org/drawingml/2006/compatibility" xmlns:p14="http://schemas.microsoft.com/office/powerpoint/2010/main" xmlns:p15="http://schemas.microsoft.com/office/powerpoint/2012/main" xmlns:ahyp="http://schemas.microsoft.com/office/drawing/2018/hyperlinkcolor">
-  <p:cSld>
-    <p:spTree>
-      <p:nvGrpSpPr>
-        <p:cNvPr id="159" name="Shape 159"/>
-        <p:cNvGrpSpPr/>
-        <p:nvPr/>
-      </p:nvGrpSpPr>
-      <p:grpSpPr>
-        <a:xfrm>
-          <a:off x="0" y="0"/>
-          <a:ext cx="0" cy="0"/>
-          <a:chOff x="0" y="0"/>
-          <a:chExt cx="0" cy="0"/>
-        </a:xfrm>
-      </p:grpSpPr>
-      <p:sp>
-        <p:nvSpPr>
-          <p:cNvPr id="160" name="Google Shape;160;p26"/>
-          <p:cNvSpPr txBox="1"/>
-          <p:nvPr>
-            <p:ph type="title"/>
-          </p:nvPr>
-        </p:nvSpPr>
-        <p:spPr>
-          <a:xfrm>
-            <a:off x="311700" y="445025"/>
-            <a:ext cx="8520600" cy="707400"/>
-          </a:xfrm>
-          <a:prstGeom prst="rect">
-            <a:avLst/>
-          </a:prstGeom>
-        </p:spPr>
-        <p:txBody>
-          <a:bodyPr anchorCtr="0" anchor="t" bIns="91425" lIns="91425" spcFirstLastPara="1" rIns="91425" wrap="square" tIns="91425">
-            <a:noAutofit/>
-          </a:bodyPr>
-          <a:lstStyle/>
-          <a:p>
-            <a:pPr indent="0" lvl="0" marL="0" rtl="0" algn="l">
-              <a:spcBef>
-                <a:spcPts val="0"/>
-              </a:spcBef>
-              <a:spcAft>
-                <a:spcPts val="0"/>
-              </a:spcAft>
-              <a:buSzPts val="990"/>
-              <a:buNone/>
-            </a:pPr>
-            <a:r>
-              <a:rPr lang="en" sz="2380"/>
-              <a:t>Predict Hotness Rank: Accuracy Scores</a:t>
-            </a:r>
-            <a:endParaRPr sz="2380"/>
-          </a:p>
-        </p:txBody>
-      </p:sp>
-      <p:sp>
-        <p:nvSpPr>
-          <p:cNvPr id="161" name="Google Shape;161;p26"/>
-          <p:cNvSpPr txBox="1"/>
-          <p:nvPr>
-            <p:ph idx="1" type="body"/>
-          </p:nvPr>
-        </p:nvSpPr>
-        <p:spPr>
-          <a:xfrm>
-            <a:off x="311700" y="1266325"/>
-            <a:ext cx="8520600" cy="3302700"/>
-          </a:xfrm>
-          <a:prstGeom prst="rect">
-            <a:avLst/>
-          </a:prstGeom>
-        </p:spPr>
-        <p:txBody>
-          <a:bodyPr anchorCtr="0" anchor="t" bIns="91425" lIns="91425" spcFirstLastPara="1" rIns="91425" wrap="square" tIns="91425">
-            <a:normAutofit fontScale="70000" lnSpcReduction="20000"/>
-          </a:bodyPr>
-          <a:lstStyle/>
-          <a:p>
-            <a:pPr indent="0" lvl="0" marL="0" rtl="0" algn="l">
-              <a:spcBef>
-                <a:spcPts val="0"/>
-              </a:spcBef>
-              <a:spcAft>
-                <a:spcPts val="0"/>
-              </a:spcAft>
-              <a:buNone/>
-            </a:pPr>
-            <a:r>
-              <a:t/>
-            </a:r>
-            <a:endParaRPr i="1" sz="2719"/>
-          </a:p>
-          <a:p>
-            <a:pPr indent="-349460" lvl="0" marL="457200" rtl="0" algn="l">
-              <a:spcBef>
-                <a:spcPts val="1200"/>
-              </a:spcBef>
-              <a:spcAft>
-                <a:spcPts val="0"/>
-              </a:spcAft>
-              <a:buSzPct val="100000"/>
-              <a:buChar char="●"/>
-            </a:pPr>
-            <a:r>
-              <a:rPr i="1" lang="en" sz="2719"/>
-              <a:t>Accuracy scores (67%) were very similar.</a:t>
-            </a:r>
-            <a:br>
-              <a:rPr i="1" lang="en" sz="2719"/>
-            </a:br>
-            <a:endParaRPr i="1" sz="2719"/>
-          </a:p>
-          <a:p>
-            <a:pPr indent="-349460" lvl="0" marL="457200" rtl="0" algn="l">
-              <a:spcBef>
-                <a:spcPts val="0"/>
-              </a:spcBef>
-              <a:spcAft>
-                <a:spcPts val="0"/>
-              </a:spcAft>
-              <a:buSzPct val="100000"/>
-              <a:buChar char="●"/>
-            </a:pPr>
-            <a:r>
-              <a:rPr i="1" lang="en" sz="2719"/>
-              <a:t>The low accuracy scores of our model are due to the limitations of our dataset. </a:t>
-            </a:r>
-            <a:br>
-              <a:rPr i="1" lang="en" sz="2719"/>
-            </a:br>
-            <a:endParaRPr i="1" sz="2719"/>
-          </a:p>
-          <a:p>
-            <a:pPr indent="-349460" lvl="0" marL="457200" rtl="0" algn="l">
-              <a:spcBef>
-                <a:spcPts val="0"/>
-              </a:spcBef>
-              <a:spcAft>
-                <a:spcPts val="0"/>
-              </a:spcAft>
-              <a:buSzPct val="100000"/>
-              <a:buChar char="●"/>
-            </a:pPr>
-            <a:r>
-              <a:rPr i="1" lang="en" sz="2719"/>
-              <a:t>The variance in features within each individual city is wide.</a:t>
-            </a:r>
-            <a:br>
-              <a:rPr i="1" lang="en" sz="2719"/>
-            </a:br>
-            <a:endParaRPr sz="2100"/>
-          </a:p>
-          <a:p>
-            <a:pPr indent="0" lvl="0" marL="0" rtl="0" algn="l">
-              <a:spcBef>
-                <a:spcPts val="1200"/>
-              </a:spcBef>
-              <a:spcAft>
-                <a:spcPts val="0"/>
-              </a:spcAft>
-              <a:buNone/>
-            </a:pPr>
-            <a:r>
-              <a:rPr lang="en" sz="2100"/>
-              <a:t>	</a:t>
-            </a:r>
-            <a:endParaRPr sz="2100"/>
-          </a:p>
-          <a:p>
-            <a:pPr indent="0" lvl="0" marL="0" rtl="0" algn="l">
-              <a:spcBef>
-                <a:spcPts val="1200"/>
-              </a:spcBef>
-              <a:spcAft>
-                <a:spcPts val="1200"/>
-              </a:spcAft>
-              <a:buNone/>
-            </a:pPr>
-            <a:r>
-              <a:t/>
-            </a:r>
-            <a:endParaRPr/>
-          </a:p>
-        </p:txBody>
-      </p:sp>
     </p:spTree>
   </p:cSld>
   <p:clrMapOvr>
@@ -8917,8 +9295,8 @@
         </p:nvSpPr>
         <p:spPr>
           <a:xfrm>
-            <a:off x="237950" y="76175"/>
-            <a:ext cx="8520600" cy="572700"/>
+            <a:off x="311700" y="445025"/>
+            <a:ext cx="8520600" cy="707400"/>
           </a:xfrm>
           <a:prstGeom prst="rect">
             <a:avLst/>
@@ -8941,7 +9319,7 @@
             </a:pPr>
             <a:r>
               <a:rPr lang="en"/>
-              <a:t>Data Dictionary of Terms</a:t>
+              <a:t>Project Overview</a:t>
             </a:r>
             <a:endParaRPr/>
           </a:p>
@@ -8957,8 +9335,8 @@
         </p:nvSpPr>
         <p:spPr>
           <a:xfrm>
-            <a:off x="140825" y="639750"/>
-            <a:ext cx="8898900" cy="4385100"/>
+            <a:off x="311700" y="1152475"/>
+            <a:ext cx="8520600" cy="3883800"/>
           </a:xfrm>
           <a:prstGeom prst="rect">
             <a:avLst/>
@@ -8966,13 +9344,32 @@
         </p:spPr>
         <p:txBody>
           <a:bodyPr anchorCtr="0" anchor="t" bIns="91425" lIns="91425" spcFirstLastPara="1" rIns="91425" wrap="square" tIns="91425">
-            <a:normAutofit fontScale="25000" lnSpcReduction="20000"/>
+            <a:normAutofit/>
           </a:bodyPr>
           <a:lstStyle/>
           <a:p>
-            <a:pPr indent="0" lvl="0" marL="0" rtl="0" algn="l">
-              <a:spcBef>
-                <a:spcPts val="1200"/>
+            <a:pPr indent="0" lvl="0" marL="457200" rtl="0" algn="l">
+              <a:spcBef>
+                <a:spcPts val="0"/>
+              </a:spcBef>
+              <a:spcAft>
+                <a:spcPts val="0"/>
+              </a:spcAft>
+              <a:buNone/>
+            </a:pPr>
+            <a:r>
+              <a:t/>
+            </a:r>
+            <a:endParaRPr sz="1600">
+              <a:solidFill>
+                <a:schemeClr val="dk1"/>
+              </a:solidFill>
+            </a:endParaRPr>
+          </a:p>
+          <a:p>
+            <a:pPr indent="-330200" lvl="0" marL="457200" rtl="0" algn="l">
+              <a:spcBef>
+                <a:spcPts val="0"/>
               </a:spcBef>
               <a:spcAft>
                 <a:spcPts val="0"/>
@@ -8980,36 +9377,27 @@
               <a:buClr>
                 <a:schemeClr val="dk1"/>
               </a:buClr>
-              <a:buSzPts val="275"/>
-              <a:buFont typeface="Arial"/>
-              <a:buNone/>
-            </a:pPr>
-            <a:r>
-              <a:rPr b="1" lang="en" sz="4400"/>
-              <a:t>Supply Score- The supply score is an index representing a city’s median days on market ranking compared to other cities.</a:t>
-            </a:r>
-            <a:endParaRPr b="1" sz="4400"/>
-          </a:p>
-          <a:p>
-            <a:pPr indent="0" lvl="0" marL="0" rtl="0" algn="l">
-              <a:spcBef>
-                <a:spcPts val="1200"/>
-              </a:spcBef>
-              <a:spcAft>
-                <a:spcPts val="0"/>
-              </a:spcAft>
-              <a:buNone/>
-            </a:pPr>
-            <a:r>
-              <a:rPr b="1" lang="en" sz="4400"/>
-              <a:t>Demand Score- The demand score is an index representing a city’s listing page views per property ranking compared to other cities.</a:t>
-            </a:r>
-            <a:endParaRPr b="1" sz="4400"/>
-          </a:p>
-          <a:p>
-            <a:pPr indent="0" lvl="0" marL="0" rtl="0" algn="l">
-              <a:spcBef>
-                <a:spcPts val="1200"/>
+              <a:buSzPts val="1600"/>
+              <a:buChar char="●"/>
+            </a:pPr>
+            <a:r>
+              <a:rPr lang="en" sz="1600">
+                <a:solidFill>
+                  <a:schemeClr val="dk1"/>
+                </a:solidFill>
+              </a:rPr>
+              <a:t>Technologies used to clean/process datasets</a:t>
+            </a:r>
+            <a:endParaRPr sz="1600">
+              <a:solidFill>
+                <a:schemeClr val="dk1"/>
+              </a:solidFill>
+            </a:endParaRPr>
+          </a:p>
+          <a:p>
+            <a:pPr indent="-330200" lvl="1" marL="914400" rtl="0" algn="l">
+              <a:spcBef>
+                <a:spcPts val="0"/>
               </a:spcBef>
               <a:spcAft>
                 <a:spcPts val="0"/>
@@ -9017,20 +9405,27 @@
               <a:buClr>
                 <a:schemeClr val="dk1"/>
               </a:buClr>
-              <a:buSzPts val="275"/>
-              <a:buFont typeface="Arial"/>
-              <a:buNone/>
-            </a:pPr>
-            <a:r>
-              <a:rPr b="1" lang="en" sz="4400"/>
-              <a:t>Hotness Rank-The specified city’s Hotness rank, by Hotness score, compared to all other zip codes, counties, and metro areas. A rank value of 1 is considered the hottest (highest Hotness score).</a:t>
-            </a:r>
-            <a:endParaRPr b="1" sz="4400"/>
-          </a:p>
-          <a:p>
-            <a:pPr indent="0" lvl="0" marL="0" rtl="0" algn="l">
-              <a:spcBef>
-                <a:spcPts val="1200"/>
+              <a:buSzPts val="1600"/>
+              <a:buChar char="○"/>
+            </a:pPr>
+            <a:r>
+              <a:rPr lang="en" sz="1600">
+                <a:solidFill>
+                  <a:schemeClr val="dk1"/>
+                </a:solidFill>
+              </a:rPr>
+              <a:t>Pandas, Jupyter Notebook, PGAdmin, SQL statements, String Encoders, Psycopg2, Date/Time Functions</a:t>
+            </a:r>
+            <a:endParaRPr sz="1600">
+              <a:solidFill>
+                <a:schemeClr val="dk1"/>
+              </a:solidFill>
+            </a:endParaRPr>
+          </a:p>
+          <a:p>
+            <a:pPr indent="-330200" lvl="0" marL="457200" rtl="0" algn="l">
+              <a:spcBef>
+                <a:spcPts val="0"/>
               </a:spcBef>
               <a:spcAft>
                 <a:spcPts val="0"/>
@@ -9038,20 +9433,27 @@
               <a:buClr>
                 <a:schemeClr val="dk1"/>
               </a:buClr>
-              <a:buSzPct val="27500"/>
-              <a:buFont typeface="Arial"/>
-              <a:buNone/>
-            </a:pPr>
-            <a:r>
-              <a:rPr lang="en" sz="4000"/>
-              <a:t>Hotness Score- The Hotness score is an equally-weighted composite metric of a geography’s supply score and demand score.</a:t>
-            </a:r>
-            <a:endParaRPr sz="4000"/>
-          </a:p>
-          <a:p>
-            <a:pPr indent="0" lvl="0" marL="0" rtl="0" algn="l">
-              <a:spcBef>
-                <a:spcPts val="1200"/>
+              <a:buSzPts val="1600"/>
+              <a:buChar char="●"/>
+            </a:pPr>
+            <a:r>
+              <a:rPr lang="en" sz="1600">
+                <a:solidFill>
+                  <a:schemeClr val="dk1"/>
+                </a:solidFill>
+              </a:rPr>
+              <a:t>Two Machine Learning models</a:t>
+            </a:r>
+            <a:endParaRPr sz="1600">
+              <a:solidFill>
+                <a:schemeClr val="dk1"/>
+              </a:solidFill>
+            </a:endParaRPr>
+          </a:p>
+          <a:p>
+            <a:pPr indent="-330200" lvl="1" marL="914400" rtl="0" algn="l">
+              <a:spcBef>
+                <a:spcPts val="0"/>
               </a:spcBef>
               <a:spcAft>
                 <a:spcPts val="0"/>
@@ -9059,20 +9461,27 @@
               <a:buClr>
                 <a:schemeClr val="dk1"/>
               </a:buClr>
-              <a:buSzPct val="27500"/>
-              <a:buFont typeface="Arial"/>
-              <a:buNone/>
-            </a:pPr>
-            <a:r>
-              <a:rPr lang="en" sz="4000"/>
-              <a:t>Hotness Rank Y/Y- The change in Hotness rank from the same month in the previous year. A positive value indicates that the geography’s Hotness has decreased (moved down in ranking), and a negative value indicates that its Hotness has increased (moved up in ranking).</a:t>
-            </a:r>
-            <a:endParaRPr sz="4000"/>
-          </a:p>
-          <a:p>
-            <a:pPr indent="0" lvl="0" marL="0" rtl="0" algn="l">
-              <a:spcBef>
-                <a:spcPts val="1200"/>
+              <a:buSzPts val="1600"/>
+              <a:buChar char="○"/>
+            </a:pPr>
+            <a:r>
+              <a:rPr lang="en" sz="1600">
+                <a:solidFill>
+                  <a:schemeClr val="dk1"/>
+                </a:solidFill>
+              </a:rPr>
+              <a:t>Unsupervised K-Means Clustering</a:t>
+            </a:r>
+            <a:endParaRPr sz="1600">
+              <a:solidFill>
+                <a:schemeClr val="dk1"/>
+              </a:solidFill>
+            </a:endParaRPr>
+          </a:p>
+          <a:p>
+            <a:pPr indent="-330200" lvl="1" marL="914400" rtl="0" algn="l">
+              <a:spcBef>
+                <a:spcPts val="0"/>
               </a:spcBef>
               <a:spcAft>
                 <a:spcPts val="0"/>
@@ -9080,20 +9489,27 @@
               <a:buClr>
                 <a:schemeClr val="dk1"/>
               </a:buClr>
-              <a:buSzPct val="27500"/>
-              <a:buFont typeface="Arial"/>
-              <a:buNone/>
-            </a:pPr>
-            <a:r>
-              <a:rPr lang="en" sz="4000"/>
-              <a:t>Median Listing Price Y/Y - The percentage change in the median listing price from the same month in the previous year.</a:t>
-            </a:r>
-            <a:endParaRPr sz="4000"/>
-          </a:p>
-          <a:p>
-            <a:pPr indent="0" lvl="0" marL="0" rtl="0" algn="l">
-              <a:spcBef>
-                <a:spcPts val="1200"/>
+              <a:buSzPts val="1600"/>
+              <a:buChar char="○"/>
+            </a:pPr>
+            <a:r>
+              <a:rPr lang="en" sz="1600">
+                <a:solidFill>
+                  <a:schemeClr val="dk1"/>
+                </a:solidFill>
+              </a:rPr>
+              <a:t>Predictive Supervised Machine Learning</a:t>
+            </a:r>
+            <a:endParaRPr sz="1600">
+              <a:solidFill>
+                <a:schemeClr val="dk1"/>
+              </a:solidFill>
+            </a:endParaRPr>
+          </a:p>
+          <a:p>
+            <a:pPr indent="-330200" lvl="0" marL="457200" rtl="0" algn="l">
+              <a:spcBef>
+                <a:spcPts val="0"/>
               </a:spcBef>
               <a:spcAft>
                 <a:spcPts val="0"/>
@@ -9101,20 +9517,27 @@
               <a:buClr>
                 <a:schemeClr val="dk1"/>
               </a:buClr>
-              <a:buSzPct val="27500"/>
-              <a:buFont typeface="Arial"/>
-              <a:buNone/>
-            </a:pPr>
-            <a:r>
-              <a:rPr lang="en" sz="4000"/>
-              <a:t>Median Days On Market Y/Y- The change in the median days on market from the same month in the previous year.</a:t>
-            </a:r>
-            <a:endParaRPr sz="4000"/>
-          </a:p>
-          <a:p>
-            <a:pPr indent="0" lvl="0" marL="0" rtl="0" algn="l">
-              <a:spcBef>
-                <a:spcPts val="1200"/>
+              <a:buSzPts val="1600"/>
+              <a:buChar char="●"/>
+            </a:pPr>
+            <a:r>
+              <a:rPr lang="en" sz="1600">
+                <a:solidFill>
+                  <a:schemeClr val="dk1"/>
+                </a:solidFill>
+              </a:rPr>
+              <a:t>Dashboard technologies</a:t>
+            </a:r>
+            <a:endParaRPr sz="1600">
+              <a:solidFill>
+                <a:schemeClr val="dk1"/>
+              </a:solidFill>
+            </a:endParaRPr>
+          </a:p>
+          <a:p>
+            <a:pPr indent="-330200" lvl="1" marL="914400" rtl="0" algn="l">
+              <a:spcBef>
+                <a:spcPts val="0"/>
               </a:spcBef>
               <a:spcAft>
                 <a:spcPts val="0"/>
@@ -9122,93 +9545,79 @@
               <a:buClr>
                 <a:schemeClr val="dk1"/>
               </a:buClr>
-              <a:buSzPct val="27500"/>
-              <a:buFont typeface="Arial"/>
-              <a:buNone/>
-            </a:pPr>
-            <a:r>
-              <a:rPr lang="en" sz="4000"/>
-              <a:t>Unique Viewers Per Property Y/Y- The change in unique viewers a typical property receives in the specified geography from the same month in the previous year.</a:t>
-            </a:r>
-            <a:endParaRPr sz="4000"/>
-          </a:p>
-          <a:p>
-            <a:pPr indent="0" lvl="0" marL="0" rtl="0" algn="l">
-              <a:spcBef>
+              <a:buSzPts val="1600"/>
+              <a:buChar char="○"/>
+            </a:pPr>
+            <a:r>
+              <a:rPr lang="en" sz="1600">
+                <a:solidFill>
+                  <a:schemeClr val="dk1"/>
+                </a:solidFill>
+              </a:rPr>
+              <a:t>Tableau, JavaScript, D3, Leaflet</a:t>
+            </a:r>
+            <a:endParaRPr sz="1600">
+              <a:solidFill>
+                <a:schemeClr val="dk1"/>
+              </a:solidFill>
+            </a:endParaRPr>
+          </a:p>
+          <a:p>
+            <a:pPr indent="0" lvl="0" marL="0" rtl="0" algn="l">
+              <a:spcBef>
+                <a:spcPts val="0"/>
+              </a:spcBef>
+              <a:spcAft>
+                <a:spcPts val="0"/>
+              </a:spcAft>
+              <a:buNone/>
+            </a:pPr>
+            <a:r>
+              <a:t/>
+            </a:r>
+            <a:endParaRPr sz="1600">
+              <a:solidFill>
+                <a:schemeClr val="dk1"/>
+              </a:solidFill>
+            </a:endParaRPr>
+          </a:p>
+          <a:p>
+            <a:pPr indent="0" lvl="0" marL="0" rtl="0" algn="l">
+              <a:spcBef>
+                <a:spcPts val="0"/>
+              </a:spcBef>
+              <a:spcAft>
+                <a:spcPts val="0"/>
+              </a:spcAft>
+              <a:buNone/>
+            </a:pPr>
+            <a:r>
+              <a:t/>
+            </a:r>
+            <a:endParaRPr sz="1600">
+              <a:solidFill>
+                <a:schemeClr val="dk1"/>
+              </a:solidFill>
+            </a:endParaRPr>
+          </a:p>
+          <a:p>
+            <a:pPr indent="0" lvl="0" marL="0" rtl="0" algn="l">
+              <a:spcBef>
+                <a:spcPts val="0"/>
+              </a:spcBef>
+              <a:spcAft>
                 <a:spcPts val="1200"/>
-              </a:spcBef>
-              <a:spcAft>
-                <a:spcPts val="0"/>
-              </a:spcAft>
-              <a:buClr>
+              </a:spcAft>
+              <a:buNone/>
+            </a:pPr>
+            <a:r>
+              <a:t/>
+            </a:r>
+            <a:endParaRPr sz="1600">
+              <a:solidFill>
                 <a:schemeClr val="dk1"/>
-              </a:buClr>
-              <a:buSzPct val="27500"/>
-              <a:buFont typeface="Arial"/>
-              <a:buNone/>
-            </a:pPr>
-            <a:r>
-              <a:rPr lang="en" sz="4000"/>
-              <a:t>Mortgage Rate- The national mortgage rate for the corresponding month and year.</a:t>
-            </a:r>
-            <a:endParaRPr sz="4000"/>
-          </a:p>
-          <a:p>
-            <a:pPr indent="0" lvl="0" marL="0" rtl="0" algn="l">
-              <a:spcBef>
-                <a:spcPts val="1200"/>
-              </a:spcBef>
-              <a:spcAft>
-                <a:spcPts val="0"/>
-              </a:spcAft>
-              <a:buClr>
-                <a:schemeClr val="dk1"/>
-              </a:buClr>
-              <a:buSzPct val="27500"/>
-              <a:buFont typeface="Arial"/>
-              <a:buNone/>
-            </a:pPr>
-            <a:r>
-              <a:rPr lang="en" sz="4000"/>
-              <a:t>Tax Ranking- A measure of tax burden. Unlike tax rates, which vary widely based on an individual’s circumstances, tax burden measures the proportion of total personal income that residents pay toward state and local taxes.</a:t>
-            </a:r>
-            <a:endParaRPr sz="4000"/>
-          </a:p>
-          <a:p>
-            <a:pPr indent="0" lvl="0" marL="0" rtl="0" algn="l">
-              <a:spcBef>
-                <a:spcPts val="1200"/>
-              </a:spcBef>
-              <a:spcAft>
-                <a:spcPts val="0"/>
-              </a:spcAft>
-              <a:buClr>
-                <a:schemeClr val="dk1"/>
-              </a:buClr>
-              <a:buSzPct val="27500"/>
-              <a:buFont typeface="Arial"/>
-              <a:buNone/>
-            </a:pPr>
-            <a:r>
-              <a:rPr lang="en" sz="4000"/>
-              <a:t>Cost of Living- Calculated by comparing the prices for a representative sample of goods, services and other items that would be in a typical family budget.</a:t>
-            </a:r>
-            <a:endParaRPr sz="4000"/>
-          </a:p>
-          <a:p>
-            <a:pPr indent="0" lvl="0" marL="0" rtl="0" algn="l">
-              <a:spcBef>
-                <a:spcPts val="1200"/>
-              </a:spcBef>
-              <a:spcAft>
-                <a:spcPts val="1200"/>
-              </a:spcAft>
-              <a:buNone/>
-            </a:pPr>
-            <a:r>
-              <a:t/>
-            </a:r>
-            <a:endParaRPr/>
+              </a:solidFill>
+            </a:endParaRPr>
           </a:p>
         </p:txBody>
       </p:sp>
@@ -9247,6 +9656,336 @@
         </p:nvSpPr>
         <p:spPr>
           <a:xfrm>
+            <a:off x="237950" y="76175"/>
+            <a:ext cx="8520600" cy="572700"/>
+          </a:xfrm>
+          <a:prstGeom prst="rect">
+            <a:avLst/>
+          </a:prstGeom>
+        </p:spPr>
+        <p:txBody>
+          <a:bodyPr anchorCtr="0" anchor="t" bIns="91425" lIns="91425" spcFirstLastPara="1" rIns="91425" wrap="square" tIns="91425">
+            <a:normAutofit fontScale="90000"/>
+          </a:bodyPr>
+          <a:lstStyle/>
+          <a:p>
+            <a:pPr indent="0" lvl="0" marL="0" rtl="0" algn="l">
+              <a:spcBef>
+                <a:spcPts val="0"/>
+              </a:spcBef>
+              <a:spcAft>
+                <a:spcPts val="0"/>
+              </a:spcAft>
+              <a:buNone/>
+            </a:pPr>
+            <a:r>
+              <a:rPr lang="en"/>
+              <a:t>Data Dictionary of Terms</a:t>
+            </a:r>
+            <a:endParaRPr/>
+          </a:p>
+        </p:txBody>
+      </p:sp>
+      <p:sp>
+        <p:nvSpPr>
+          <p:cNvPr id="87" name="Google Shape;87;p16"/>
+          <p:cNvSpPr txBox="1"/>
+          <p:nvPr>
+            <p:ph idx="1" type="body"/>
+          </p:nvPr>
+        </p:nvSpPr>
+        <p:spPr>
+          <a:xfrm>
+            <a:off x="140825" y="639750"/>
+            <a:ext cx="8898900" cy="4385100"/>
+          </a:xfrm>
+          <a:prstGeom prst="rect">
+            <a:avLst/>
+          </a:prstGeom>
+        </p:spPr>
+        <p:txBody>
+          <a:bodyPr anchorCtr="0" anchor="t" bIns="91425" lIns="91425" spcFirstLastPara="1" rIns="91425" wrap="square" tIns="91425">
+            <a:normAutofit fontScale="25000" lnSpcReduction="20000"/>
+          </a:bodyPr>
+          <a:lstStyle/>
+          <a:p>
+            <a:pPr indent="0" lvl="0" marL="0" rtl="0" algn="l">
+              <a:spcBef>
+                <a:spcPts val="1200"/>
+              </a:spcBef>
+              <a:spcAft>
+                <a:spcPts val="0"/>
+              </a:spcAft>
+              <a:buClr>
+                <a:schemeClr val="dk1"/>
+              </a:buClr>
+              <a:buSzPts val="275"/>
+              <a:buFont typeface="Arial"/>
+              <a:buNone/>
+            </a:pPr>
+            <a:r>
+              <a:rPr b="1" lang="en" sz="4400"/>
+              <a:t>Supply Score- The supply score is an index representing a city’s median days on market ranking compared to other cities.</a:t>
+            </a:r>
+            <a:endParaRPr b="1" sz="4400"/>
+          </a:p>
+          <a:p>
+            <a:pPr indent="0" lvl="0" marL="0" rtl="0" algn="l">
+              <a:spcBef>
+                <a:spcPts val="1200"/>
+              </a:spcBef>
+              <a:spcAft>
+                <a:spcPts val="0"/>
+              </a:spcAft>
+              <a:buNone/>
+            </a:pPr>
+            <a:r>
+              <a:rPr b="1" lang="en" sz="4400"/>
+              <a:t>Demand Score- The demand score is an index representing a city’s listing page views per property ranking compared to other cities.</a:t>
+            </a:r>
+            <a:endParaRPr b="1" sz="4400"/>
+          </a:p>
+          <a:p>
+            <a:pPr indent="0" lvl="0" marL="0" rtl="0" algn="l">
+              <a:spcBef>
+                <a:spcPts val="1200"/>
+              </a:spcBef>
+              <a:spcAft>
+                <a:spcPts val="0"/>
+              </a:spcAft>
+              <a:buClr>
+                <a:schemeClr val="dk1"/>
+              </a:buClr>
+              <a:buSzPts val="275"/>
+              <a:buFont typeface="Arial"/>
+              <a:buNone/>
+            </a:pPr>
+            <a:r>
+              <a:rPr b="1" lang="en" sz="4400"/>
+              <a:t>Hotness Rank-The specified city’s Hotness rank, by Hotness score, compared to all other zip codes, counties, and metro areas. A rank value of 1 is considered the hottest (highest Hotness score).</a:t>
+            </a:r>
+            <a:endParaRPr b="1" sz="4400"/>
+          </a:p>
+          <a:p>
+            <a:pPr indent="0" lvl="0" marL="0" rtl="0" algn="l">
+              <a:spcBef>
+                <a:spcPts val="1200"/>
+              </a:spcBef>
+              <a:spcAft>
+                <a:spcPts val="0"/>
+              </a:spcAft>
+              <a:buClr>
+                <a:schemeClr val="dk1"/>
+              </a:buClr>
+              <a:buSzPct val="27500"/>
+              <a:buFont typeface="Arial"/>
+              <a:buNone/>
+            </a:pPr>
+            <a:r>
+              <a:rPr lang="en" sz="4000"/>
+              <a:t>Hotness Score- The Hotness score is an equally-weighted composite metric of a geography’s supply score and demand score.</a:t>
+            </a:r>
+            <a:endParaRPr sz="4000"/>
+          </a:p>
+          <a:p>
+            <a:pPr indent="0" lvl="0" marL="0" rtl="0" algn="l">
+              <a:spcBef>
+                <a:spcPts val="1200"/>
+              </a:spcBef>
+              <a:spcAft>
+                <a:spcPts val="0"/>
+              </a:spcAft>
+              <a:buClr>
+                <a:schemeClr val="dk1"/>
+              </a:buClr>
+              <a:buSzPct val="27500"/>
+              <a:buFont typeface="Arial"/>
+              <a:buNone/>
+            </a:pPr>
+            <a:r>
+              <a:rPr lang="en" sz="4000"/>
+              <a:t>Hotness Rank Y/Y- The change in Hotness rank from the same month in the previous year. A positive value indicates that the geography’s Hotness has decreased (moved down in ranking), and a negative value indicates that its Hotness has increased (moved up in ranking).</a:t>
+            </a:r>
+            <a:endParaRPr sz="4000"/>
+          </a:p>
+          <a:p>
+            <a:pPr indent="0" lvl="0" marL="0" rtl="0" algn="l">
+              <a:spcBef>
+                <a:spcPts val="1200"/>
+              </a:spcBef>
+              <a:spcAft>
+                <a:spcPts val="0"/>
+              </a:spcAft>
+              <a:buClr>
+                <a:schemeClr val="dk1"/>
+              </a:buClr>
+              <a:buSzPct val="27500"/>
+              <a:buFont typeface="Arial"/>
+              <a:buNone/>
+            </a:pPr>
+            <a:r>
+              <a:rPr lang="en" sz="4000"/>
+              <a:t>Median Listing Price Y/Y - The percentage change in the median listing price from the same month in the previous year.</a:t>
+            </a:r>
+            <a:endParaRPr sz="4000"/>
+          </a:p>
+          <a:p>
+            <a:pPr indent="0" lvl="0" marL="0" rtl="0" algn="l">
+              <a:spcBef>
+                <a:spcPts val="1200"/>
+              </a:spcBef>
+              <a:spcAft>
+                <a:spcPts val="0"/>
+              </a:spcAft>
+              <a:buClr>
+                <a:schemeClr val="dk1"/>
+              </a:buClr>
+              <a:buSzPct val="27500"/>
+              <a:buFont typeface="Arial"/>
+              <a:buNone/>
+            </a:pPr>
+            <a:r>
+              <a:rPr lang="en" sz="4000"/>
+              <a:t>Median Days On Market Y/Y- The change in the median days on market from the same month in the previous year.</a:t>
+            </a:r>
+            <a:endParaRPr sz="4000"/>
+          </a:p>
+          <a:p>
+            <a:pPr indent="0" lvl="0" marL="0" rtl="0" algn="l">
+              <a:spcBef>
+                <a:spcPts val="1200"/>
+              </a:spcBef>
+              <a:spcAft>
+                <a:spcPts val="0"/>
+              </a:spcAft>
+              <a:buClr>
+                <a:schemeClr val="dk1"/>
+              </a:buClr>
+              <a:buSzPct val="27500"/>
+              <a:buFont typeface="Arial"/>
+              <a:buNone/>
+            </a:pPr>
+            <a:r>
+              <a:rPr lang="en" sz="4000"/>
+              <a:t>Unique Viewers Per Property Y/Y- The change in unique viewers a typical property receives in the specified geography from the same month in the previous year.</a:t>
+            </a:r>
+            <a:endParaRPr sz="4000"/>
+          </a:p>
+          <a:p>
+            <a:pPr indent="0" lvl="0" marL="0" rtl="0" algn="l">
+              <a:spcBef>
+                <a:spcPts val="1200"/>
+              </a:spcBef>
+              <a:spcAft>
+                <a:spcPts val="0"/>
+              </a:spcAft>
+              <a:buClr>
+                <a:schemeClr val="dk1"/>
+              </a:buClr>
+              <a:buSzPct val="27500"/>
+              <a:buFont typeface="Arial"/>
+              <a:buNone/>
+            </a:pPr>
+            <a:r>
+              <a:rPr lang="en" sz="4000"/>
+              <a:t>Mortgage Rate- The national mortgage rate for the corresponding month and year.</a:t>
+            </a:r>
+            <a:endParaRPr sz="4000"/>
+          </a:p>
+          <a:p>
+            <a:pPr indent="0" lvl="0" marL="0" rtl="0" algn="l">
+              <a:spcBef>
+                <a:spcPts val="1200"/>
+              </a:spcBef>
+              <a:spcAft>
+                <a:spcPts val="0"/>
+              </a:spcAft>
+              <a:buClr>
+                <a:schemeClr val="dk1"/>
+              </a:buClr>
+              <a:buSzPct val="27500"/>
+              <a:buFont typeface="Arial"/>
+              <a:buNone/>
+            </a:pPr>
+            <a:r>
+              <a:rPr lang="en" sz="4000"/>
+              <a:t>Tax Ranking- A measure of tax burden. Unlike tax rates, which vary widely based on an individual’s circumstances, tax burden measures the proportion of total personal income that residents pay toward state and local taxes.</a:t>
+            </a:r>
+            <a:endParaRPr sz="4000"/>
+          </a:p>
+          <a:p>
+            <a:pPr indent="0" lvl="0" marL="0" rtl="0" algn="l">
+              <a:spcBef>
+                <a:spcPts val="1200"/>
+              </a:spcBef>
+              <a:spcAft>
+                <a:spcPts val="0"/>
+              </a:spcAft>
+              <a:buClr>
+                <a:schemeClr val="dk1"/>
+              </a:buClr>
+              <a:buSzPct val="27500"/>
+              <a:buFont typeface="Arial"/>
+              <a:buNone/>
+            </a:pPr>
+            <a:r>
+              <a:rPr lang="en" sz="4000"/>
+              <a:t>Cost of Living- Calculated by comparing the prices for a representative sample of goods, services and other items that would be in a typical family budget.</a:t>
+            </a:r>
+            <a:endParaRPr sz="4000"/>
+          </a:p>
+          <a:p>
+            <a:pPr indent="0" lvl="0" marL="0" rtl="0" algn="l">
+              <a:spcBef>
+                <a:spcPts val="1200"/>
+              </a:spcBef>
+              <a:spcAft>
+                <a:spcPts val="1200"/>
+              </a:spcAft>
+              <a:buNone/>
+            </a:pPr>
+            <a:r>
+              <a:t/>
+            </a:r>
+            <a:endParaRPr/>
+          </a:p>
+        </p:txBody>
+      </p:sp>
+    </p:spTree>
+  </p:cSld>
+  <p:clrMapOvr>
+    <a:masterClrMapping/>
+  </p:clrMapOvr>
+</p:sld>
+</file>
+
+<file path=ppt/slides/slide5.xml><?xml version="1.0" encoding="utf-8"?>
+<p:sld xmlns:a="http://schemas.openxmlformats.org/drawingml/2006/main" xmlns:r="http://schemas.openxmlformats.org/officeDocument/2006/relationships" xmlns:mc="http://schemas.openxmlformats.org/markup-compatibility/2006" xmlns:mv="urn:schemas-microsoft-com:mac:vml" xmlns:p="http://schemas.openxmlformats.org/presentationml/2006/main" xmlns:c="http://schemas.openxmlformats.org/drawingml/2006/chart" xmlns:dgm="http://schemas.openxmlformats.org/drawingml/2006/diagram" xmlns:o="urn:schemas-microsoft-com:office:office" xmlns:v="urn:schemas-microsoft-com:vml" xmlns:pvml="urn:schemas-microsoft-com:office:powerpoint" xmlns:com="http://schemas.openxmlformats.org/drawingml/2006/compatibility" xmlns:p14="http://schemas.microsoft.com/office/powerpoint/2010/main" xmlns:p15="http://schemas.microsoft.com/office/powerpoint/2012/main" xmlns:ahyp="http://schemas.microsoft.com/office/drawing/2018/hyperlinkcolor">
+  <p:cSld>
+    <p:spTree>
+      <p:nvGrpSpPr>
+        <p:cNvPr id="91" name="Shape 91"/>
+        <p:cNvGrpSpPr/>
+        <p:nvPr/>
+      </p:nvGrpSpPr>
+      <p:grpSpPr>
+        <a:xfrm>
+          <a:off x="0" y="0"/>
+          <a:ext cx="0" cy="0"/>
+          <a:chOff x="0" y="0"/>
+          <a:chExt cx="0" cy="0"/>
+        </a:xfrm>
+      </p:grpSpPr>
+      <p:sp>
+        <p:nvSpPr>
+          <p:cNvPr id="92" name="Google Shape;92;p17"/>
+          <p:cNvSpPr txBox="1"/>
+          <p:nvPr>
+            <p:ph type="title"/>
+          </p:nvPr>
+        </p:nvSpPr>
+        <p:spPr>
+          <a:xfrm>
             <a:off x="235500" y="299100"/>
             <a:ext cx="8520600" cy="572700"/>
           </a:xfrm>
@@ -9279,7 +10018,7 @@
       </p:sp>
       <p:sp>
         <p:nvSpPr>
-          <p:cNvPr id="87" name="Google Shape;87;p16"/>
+          <p:cNvPr id="93" name="Google Shape;93;p17"/>
           <p:cNvSpPr txBox="1"/>
           <p:nvPr>
             <p:ph idx="1" type="body"/>
@@ -9491,7 +10230,7 @@
       </p:sp>
       <p:pic>
         <p:nvPicPr>
-          <p:cNvPr id="88" name="Google Shape;88;p16"/>
+          <p:cNvPr id="94" name="Google Shape;94;p17"/>
           <p:cNvPicPr preferRelativeResize="0"/>
           <p:nvPr/>
         </p:nvPicPr>
@@ -9519,7 +10258,7 @@
       </p:pic>
       <p:sp>
         <p:nvSpPr>
-          <p:cNvPr id="89" name="Google Shape;89;p16"/>
+          <p:cNvPr id="95" name="Google Shape;95;p17"/>
           <p:cNvSpPr txBox="1"/>
           <p:nvPr/>
         </p:nvSpPr>
@@ -9671,12 +10410,12 @@
 </p:sld>
 </file>
 
-<file path=ppt/slides/slide5.xml><?xml version="1.0" encoding="utf-8"?>
+<file path=ppt/slides/slide6.xml><?xml version="1.0" encoding="utf-8"?>
 <p:sld xmlns:a="http://schemas.openxmlformats.org/drawingml/2006/main" xmlns:r="http://schemas.openxmlformats.org/officeDocument/2006/relationships" xmlns:mc="http://schemas.openxmlformats.org/markup-compatibility/2006" xmlns:mv="urn:schemas-microsoft-com:mac:vml" xmlns:p="http://schemas.openxmlformats.org/presentationml/2006/main" xmlns:c="http://schemas.openxmlformats.org/drawingml/2006/chart" xmlns:dgm="http://schemas.openxmlformats.org/drawingml/2006/diagram" xmlns:o="urn:schemas-microsoft-com:office:office" xmlns:v="urn:schemas-microsoft-com:vml" xmlns:pvml="urn:schemas-microsoft-com:office:powerpoint" xmlns:com="http://schemas.openxmlformats.org/drawingml/2006/compatibility" xmlns:p14="http://schemas.microsoft.com/office/powerpoint/2010/main" xmlns:p15="http://schemas.microsoft.com/office/powerpoint/2012/main" xmlns:ahyp="http://schemas.microsoft.com/office/drawing/2018/hyperlinkcolor">
   <p:cSld>
     <p:spTree>
       <p:nvGrpSpPr>
-        <p:cNvPr id="93" name="Shape 93"/>
+        <p:cNvPr id="99" name="Shape 99"/>
         <p:cNvGrpSpPr/>
         <p:nvPr/>
       </p:nvGrpSpPr>
@@ -9690,7 +10429,7 @@
       </p:grpSpPr>
       <p:sp>
         <p:nvSpPr>
-          <p:cNvPr id="94" name="Google Shape;94;p17"/>
+          <p:cNvPr id="100" name="Google Shape;100;p18"/>
           <p:cNvSpPr txBox="1"/>
           <p:nvPr>
             <p:ph type="title"/>
@@ -9730,7 +10469,7 @@
       </p:sp>
       <p:sp>
         <p:nvSpPr>
-          <p:cNvPr id="95" name="Google Shape;95;p17"/>
+          <p:cNvPr id="101" name="Google Shape;101;p18"/>
           <p:cNvSpPr txBox="1"/>
           <p:nvPr/>
         </p:nvSpPr>
@@ -9764,7 +10503,7 @@
             </a:pPr>
             <a:r>
               <a:rPr lang="en" sz="1300"/>
-              <a:t>PgAdmin SQL database connected to Pandas with psycopg2 and loaded into the ML models</a:t>
+              <a:t>PgAdmin SQL database connected to Pandas with Psycopg2 and loaded into the ML models</a:t>
             </a:r>
             <a:endParaRPr sz="1300"/>
           </a:p>
@@ -9864,7 +10603,7 @@
       </p:sp>
       <p:pic>
         <p:nvPicPr>
-          <p:cNvPr id="96" name="Google Shape;96;p17"/>
+          <p:cNvPr id="102" name="Google Shape;102;p18"/>
           <p:cNvPicPr preferRelativeResize="0"/>
           <p:nvPr/>
         </p:nvPicPr>
@@ -9898,12 +10637,12 @@
 </p:sld>
 </file>
 
-<file path=ppt/slides/slide6.xml><?xml version="1.0" encoding="utf-8"?>
+<file path=ppt/slides/slide7.xml><?xml version="1.0" encoding="utf-8"?>
 <p:sld xmlns:a="http://schemas.openxmlformats.org/drawingml/2006/main" xmlns:r="http://schemas.openxmlformats.org/officeDocument/2006/relationships" xmlns:mc="http://schemas.openxmlformats.org/markup-compatibility/2006" xmlns:mv="urn:schemas-microsoft-com:mac:vml" xmlns:p="http://schemas.openxmlformats.org/presentationml/2006/main" xmlns:c="http://schemas.openxmlformats.org/drawingml/2006/chart" xmlns:dgm="http://schemas.openxmlformats.org/drawingml/2006/diagram" xmlns:o="urn:schemas-microsoft-com:office:office" xmlns:v="urn:schemas-microsoft-com:vml" xmlns:pvml="urn:schemas-microsoft-com:office:powerpoint" xmlns:com="http://schemas.openxmlformats.org/drawingml/2006/compatibility" xmlns:p14="http://schemas.microsoft.com/office/powerpoint/2010/main" xmlns:p15="http://schemas.microsoft.com/office/powerpoint/2012/main" xmlns:ahyp="http://schemas.microsoft.com/office/drawing/2018/hyperlinkcolor">
   <p:cSld>
     <p:spTree>
       <p:nvGrpSpPr>
-        <p:cNvPr id="100" name="Shape 100"/>
+        <p:cNvPr id="106" name="Shape 106"/>
         <p:cNvGrpSpPr/>
         <p:nvPr/>
       </p:nvGrpSpPr>
@@ -9917,7 +10656,7 @@
       </p:grpSpPr>
       <p:sp>
         <p:nvSpPr>
-          <p:cNvPr id="101" name="Google Shape;101;p18"/>
+          <p:cNvPr id="107" name="Google Shape;107;p19"/>
           <p:cNvSpPr txBox="1"/>
           <p:nvPr>
             <p:ph type="title"/>
@@ -9957,7 +10696,7 @@
       </p:sp>
       <p:sp>
         <p:nvSpPr>
-          <p:cNvPr id="102" name="Google Shape;102;p18"/>
+          <p:cNvPr id="108" name="Google Shape;108;p19"/>
           <p:cNvSpPr txBox="1"/>
           <p:nvPr/>
         </p:nvSpPr>
@@ -10119,7 +10858,7 @@
       </p:sp>
       <p:pic>
         <p:nvPicPr>
-          <p:cNvPr id="103" name="Google Shape;103;p18"/>
+          <p:cNvPr id="109" name="Google Shape;109;p19"/>
           <p:cNvPicPr preferRelativeResize="0"/>
           <p:nvPr/>
         </p:nvPicPr>
@@ -10147,7 +10886,7 @@
       </p:pic>
       <p:pic>
         <p:nvPicPr>
-          <p:cNvPr id="104" name="Google Shape;104;p18"/>
+          <p:cNvPr id="110" name="Google Shape;110;p19"/>
           <p:cNvPicPr preferRelativeResize="0"/>
           <p:nvPr/>
         </p:nvPicPr>
@@ -10175,7 +10914,7 @@
       </p:pic>
       <p:sp>
         <p:nvSpPr>
-          <p:cNvPr id="105" name="Google Shape;105;p18"/>
+          <p:cNvPr id="111" name="Google Shape;111;p19"/>
           <p:cNvSpPr/>
           <p:nvPr/>
         </p:nvSpPr>
@@ -10239,12 +10978,12 @@
 </p:sld>
 </file>
 
-<file path=ppt/slides/slide7.xml><?xml version="1.0" encoding="utf-8"?>
+<file path=ppt/slides/slide8.xml><?xml version="1.0" encoding="utf-8"?>
 <p:sld xmlns:a="http://schemas.openxmlformats.org/drawingml/2006/main" xmlns:r="http://schemas.openxmlformats.org/officeDocument/2006/relationships" xmlns:mc="http://schemas.openxmlformats.org/markup-compatibility/2006" xmlns:mv="urn:schemas-microsoft-com:mac:vml" xmlns:p="http://schemas.openxmlformats.org/presentationml/2006/main" xmlns:c="http://schemas.openxmlformats.org/drawingml/2006/chart" xmlns:dgm="http://schemas.openxmlformats.org/drawingml/2006/diagram" xmlns:o="urn:schemas-microsoft-com:office:office" xmlns:v="urn:schemas-microsoft-com:vml" xmlns:pvml="urn:schemas-microsoft-com:office:powerpoint" xmlns:com="http://schemas.openxmlformats.org/drawingml/2006/compatibility" xmlns:p14="http://schemas.microsoft.com/office/powerpoint/2010/main" xmlns:p15="http://schemas.microsoft.com/office/powerpoint/2012/main" xmlns:ahyp="http://schemas.microsoft.com/office/drawing/2018/hyperlinkcolor">
   <p:cSld>
     <p:spTree>
       <p:nvGrpSpPr>
-        <p:cNvPr id="109" name="Shape 109"/>
+        <p:cNvPr id="115" name="Shape 115"/>
         <p:cNvGrpSpPr/>
         <p:nvPr/>
       </p:nvGrpSpPr>
@@ -10258,7 +10997,7 @@
       </p:grpSpPr>
       <p:pic>
         <p:nvPicPr>
-          <p:cNvPr id="110" name="Google Shape;110;p19"/>
+          <p:cNvPr id="116" name="Google Shape;116;p20"/>
           <p:cNvPicPr preferRelativeResize="0"/>
           <p:nvPr/>
         </p:nvPicPr>
@@ -10286,7 +11025,7 @@
       </p:pic>
       <p:sp>
         <p:nvSpPr>
-          <p:cNvPr id="111" name="Google Shape;111;p19"/>
+          <p:cNvPr id="117" name="Google Shape;117;p20"/>
           <p:cNvSpPr txBox="1"/>
           <p:nvPr>
             <p:ph type="title"/>
@@ -10329,159 +11068,6 @@
                 <a:srgbClr val="FA4D56"/>
               </a:solidFill>
             </a:endParaRPr>
-          </a:p>
-        </p:txBody>
-      </p:sp>
-      <p:sp>
-        <p:nvSpPr>
-          <p:cNvPr id="112" name="Google Shape;112;p19"/>
-          <p:cNvSpPr txBox="1"/>
-          <p:nvPr>
-            <p:ph idx="1" type="body"/>
-          </p:nvPr>
-        </p:nvSpPr>
-        <p:spPr>
-          <a:xfrm>
-            <a:off x="311700" y="1266325"/>
-            <a:ext cx="8520600" cy="3302700"/>
-          </a:xfrm>
-          <a:prstGeom prst="rect">
-            <a:avLst/>
-          </a:prstGeom>
-        </p:spPr>
-        <p:txBody>
-          <a:bodyPr anchorCtr="0" anchor="t" bIns="91425" lIns="91425" spcFirstLastPara="1" rIns="91425" wrap="square" tIns="91425">
-            <a:normAutofit/>
-          </a:bodyPr>
-          <a:lstStyle/>
-          <a:p>
-            <a:pPr indent="-342900" lvl="0" marL="457200" rtl="0" algn="l">
-              <a:spcBef>
-                <a:spcPts val="0"/>
-              </a:spcBef>
-              <a:spcAft>
-                <a:spcPts val="0"/>
-              </a:spcAft>
-              <a:buClr>
-                <a:schemeClr val="dk1"/>
-              </a:buClr>
-              <a:buSzPts val="1800"/>
-              <a:buAutoNum type="arabicPeriod"/>
-            </a:pPr>
-            <a:r>
-              <a:rPr b="1" lang="en">
-                <a:solidFill>
-                  <a:schemeClr val="dk1"/>
-                </a:solidFill>
-              </a:rPr>
-              <a:t>Unsupervised Clustering K-Means </a:t>
-            </a:r>
-            <a:br>
-              <a:rPr b="1" lang="en">
-                <a:solidFill>
-                  <a:schemeClr val="dk1"/>
-                </a:solidFill>
-              </a:rPr>
-            </a:br>
-            <a:endParaRPr b="1">
-              <a:solidFill>
-                <a:schemeClr val="dk1"/>
-              </a:solidFill>
-            </a:endParaRPr>
-          </a:p>
-          <a:p>
-            <a:pPr indent="-342900" lvl="0" marL="457200" rtl="0" algn="l">
-              <a:spcBef>
-                <a:spcPts val="0"/>
-              </a:spcBef>
-              <a:spcAft>
-                <a:spcPts val="0"/>
-              </a:spcAft>
-              <a:buClr>
-                <a:schemeClr val="dk1"/>
-              </a:buClr>
-              <a:buSzPts val="1800"/>
-              <a:buAutoNum type="arabicPeriod"/>
-            </a:pPr>
-            <a:r>
-              <a:rPr b="1" lang="en">
-                <a:solidFill>
-                  <a:schemeClr val="dk1"/>
-                </a:solidFill>
-              </a:rPr>
-              <a:t>Supervised Simple Linear Regression</a:t>
-            </a:r>
-            <a:endParaRPr b="1">
-              <a:solidFill>
-                <a:schemeClr val="dk1"/>
-              </a:solidFill>
-            </a:endParaRPr>
-          </a:p>
-        </p:txBody>
-      </p:sp>
-    </p:spTree>
-  </p:cSld>
-  <p:clrMapOvr>
-    <a:masterClrMapping/>
-  </p:clrMapOvr>
-</p:sld>
-</file>
-
-<file path=ppt/slides/slide8.xml><?xml version="1.0" encoding="utf-8"?>
-<p:sld xmlns:a="http://schemas.openxmlformats.org/drawingml/2006/main" xmlns:r="http://schemas.openxmlformats.org/officeDocument/2006/relationships" xmlns:mc="http://schemas.openxmlformats.org/markup-compatibility/2006" xmlns:mv="urn:schemas-microsoft-com:mac:vml" xmlns:p="http://schemas.openxmlformats.org/presentationml/2006/main" xmlns:c="http://schemas.openxmlformats.org/drawingml/2006/chart" xmlns:dgm="http://schemas.openxmlformats.org/drawingml/2006/diagram" xmlns:o="urn:schemas-microsoft-com:office:office" xmlns:v="urn:schemas-microsoft-com:vml" xmlns:pvml="urn:schemas-microsoft-com:office:powerpoint" xmlns:com="http://schemas.openxmlformats.org/drawingml/2006/compatibility" xmlns:p14="http://schemas.microsoft.com/office/powerpoint/2010/main" xmlns:p15="http://schemas.microsoft.com/office/powerpoint/2012/main" xmlns:ahyp="http://schemas.microsoft.com/office/drawing/2018/hyperlinkcolor">
-  <p:cSld>
-    <p:spTree>
-      <p:nvGrpSpPr>
-        <p:cNvPr id="116" name="Shape 116"/>
-        <p:cNvGrpSpPr/>
-        <p:nvPr/>
-      </p:nvGrpSpPr>
-      <p:grpSpPr>
-        <a:xfrm>
-          <a:off x="0" y="0"/>
-          <a:ext cx="0" cy="0"/>
-          <a:chOff x="0" y="0"/>
-          <a:chExt cx="0" cy="0"/>
-        </a:xfrm>
-      </p:grpSpPr>
-      <p:sp>
-        <p:nvSpPr>
-          <p:cNvPr id="117" name="Google Shape;117;p20"/>
-          <p:cNvSpPr txBox="1"/>
-          <p:nvPr>
-            <p:ph type="title"/>
-          </p:nvPr>
-        </p:nvSpPr>
-        <p:spPr>
-          <a:xfrm>
-            <a:off x="311700" y="445025"/>
-            <a:ext cx="8520600" cy="707400"/>
-          </a:xfrm>
-          <a:prstGeom prst="rect">
-            <a:avLst/>
-          </a:prstGeom>
-        </p:spPr>
-        <p:txBody>
-          <a:bodyPr anchorCtr="0" anchor="t" bIns="91425" lIns="91425" spcFirstLastPara="1" rIns="91425" wrap="square" tIns="91425">
-            <a:noAutofit/>
-          </a:bodyPr>
-          <a:lstStyle/>
-          <a:p>
-            <a:pPr indent="0" lvl="0" marL="0" rtl="0" algn="l">
-              <a:spcBef>
-                <a:spcPts val="0"/>
-              </a:spcBef>
-              <a:spcAft>
-                <a:spcPts val="0"/>
-              </a:spcAft>
-              <a:buSzPts val="990"/>
-              <a:buNone/>
-            </a:pPr>
-            <a:r>
-              <a:rPr lang="en" sz="2180"/>
-              <a:t>Unsupervised Clustering K-Means Model: Model Explanation</a:t>
-            </a:r>
-            <a:endParaRPr sz="2180"/>
           </a:p>
         </p:txBody>
       </p:sp>
@@ -10504,6 +11090,159 @@
         </p:spPr>
         <p:txBody>
           <a:bodyPr anchorCtr="0" anchor="t" bIns="91425" lIns="91425" spcFirstLastPara="1" rIns="91425" wrap="square" tIns="91425">
+            <a:normAutofit/>
+          </a:bodyPr>
+          <a:lstStyle/>
+          <a:p>
+            <a:pPr indent="-342900" lvl="0" marL="457200" rtl="0" algn="l">
+              <a:spcBef>
+                <a:spcPts val="0"/>
+              </a:spcBef>
+              <a:spcAft>
+                <a:spcPts val="0"/>
+              </a:spcAft>
+              <a:buClr>
+                <a:schemeClr val="dk1"/>
+              </a:buClr>
+              <a:buSzPts val="1800"/>
+              <a:buAutoNum type="arabicPeriod"/>
+            </a:pPr>
+            <a:r>
+              <a:rPr b="1" lang="en">
+                <a:solidFill>
+                  <a:schemeClr val="dk1"/>
+                </a:solidFill>
+              </a:rPr>
+              <a:t>Unsupervised Clustering K-Means </a:t>
+            </a:r>
+            <a:br>
+              <a:rPr b="1" lang="en">
+                <a:solidFill>
+                  <a:schemeClr val="dk1"/>
+                </a:solidFill>
+              </a:rPr>
+            </a:br>
+            <a:endParaRPr b="1">
+              <a:solidFill>
+                <a:schemeClr val="dk1"/>
+              </a:solidFill>
+            </a:endParaRPr>
+          </a:p>
+          <a:p>
+            <a:pPr indent="-342900" lvl="0" marL="457200" rtl="0" algn="l">
+              <a:spcBef>
+                <a:spcPts val="0"/>
+              </a:spcBef>
+              <a:spcAft>
+                <a:spcPts val="0"/>
+              </a:spcAft>
+              <a:buClr>
+                <a:schemeClr val="dk1"/>
+              </a:buClr>
+              <a:buSzPts val="1800"/>
+              <a:buAutoNum type="arabicPeriod"/>
+            </a:pPr>
+            <a:r>
+              <a:rPr b="1" lang="en">
+                <a:solidFill>
+                  <a:schemeClr val="dk1"/>
+                </a:solidFill>
+              </a:rPr>
+              <a:t>Supervised Simple Linear Regression</a:t>
+            </a:r>
+            <a:endParaRPr b="1">
+              <a:solidFill>
+                <a:schemeClr val="dk1"/>
+              </a:solidFill>
+            </a:endParaRPr>
+          </a:p>
+        </p:txBody>
+      </p:sp>
+    </p:spTree>
+  </p:cSld>
+  <p:clrMapOvr>
+    <a:masterClrMapping/>
+  </p:clrMapOvr>
+</p:sld>
+</file>
+
+<file path=ppt/slides/slide9.xml><?xml version="1.0" encoding="utf-8"?>
+<p:sld xmlns:a="http://schemas.openxmlformats.org/drawingml/2006/main" xmlns:r="http://schemas.openxmlformats.org/officeDocument/2006/relationships" xmlns:mc="http://schemas.openxmlformats.org/markup-compatibility/2006" xmlns:mv="urn:schemas-microsoft-com:mac:vml" xmlns:p="http://schemas.openxmlformats.org/presentationml/2006/main" xmlns:c="http://schemas.openxmlformats.org/drawingml/2006/chart" xmlns:dgm="http://schemas.openxmlformats.org/drawingml/2006/diagram" xmlns:o="urn:schemas-microsoft-com:office:office" xmlns:v="urn:schemas-microsoft-com:vml" xmlns:pvml="urn:schemas-microsoft-com:office:powerpoint" xmlns:com="http://schemas.openxmlformats.org/drawingml/2006/compatibility" xmlns:p14="http://schemas.microsoft.com/office/powerpoint/2010/main" xmlns:p15="http://schemas.microsoft.com/office/powerpoint/2012/main" xmlns:ahyp="http://schemas.microsoft.com/office/drawing/2018/hyperlinkcolor">
+  <p:cSld>
+    <p:spTree>
+      <p:nvGrpSpPr>
+        <p:cNvPr id="122" name="Shape 122"/>
+        <p:cNvGrpSpPr/>
+        <p:nvPr/>
+      </p:nvGrpSpPr>
+      <p:grpSpPr>
+        <a:xfrm>
+          <a:off x="0" y="0"/>
+          <a:ext cx="0" cy="0"/>
+          <a:chOff x="0" y="0"/>
+          <a:chExt cx="0" cy="0"/>
+        </a:xfrm>
+      </p:grpSpPr>
+      <p:sp>
+        <p:nvSpPr>
+          <p:cNvPr id="123" name="Google Shape;123;p21"/>
+          <p:cNvSpPr txBox="1"/>
+          <p:nvPr>
+            <p:ph type="title"/>
+          </p:nvPr>
+        </p:nvSpPr>
+        <p:spPr>
+          <a:xfrm>
+            <a:off x="311700" y="445025"/>
+            <a:ext cx="8520600" cy="707400"/>
+          </a:xfrm>
+          <a:prstGeom prst="rect">
+            <a:avLst/>
+          </a:prstGeom>
+        </p:spPr>
+        <p:txBody>
+          <a:bodyPr anchorCtr="0" anchor="t" bIns="91425" lIns="91425" spcFirstLastPara="1" rIns="91425" wrap="square" tIns="91425">
+            <a:noAutofit/>
+          </a:bodyPr>
+          <a:lstStyle/>
+          <a:p>
+            <a:pPr indent="0" lvl="0" marL="0" rtl="0" algn="l">
+              <a:spcBef>
+                <a:spcPts val="0"/>
+              </a:spcBef>
+              <a:spcAft>
+                <a:spcPts val="0"/>
+              </a:spcAft>
+              <a:buSzPts val="990"/>
+              <a:buNone/>
+            </a:pPr>
+            <a:r>
+              <a:rPr lang="en" sz="2180"/>
+              <a:t>Unsupervised Clustering K-Means Model: Model Explanation</a:t>
+            </a:r>
+            <a:endParaRPr sz="2180"/>
+          </a:p>
+        </p:txBody>
+      </p:sp>
+      <p:sp>
+        <p:nvSpPr>
+          <p:cNvPr id="124" name="Google Shape;124;p21"/>
+          <p:cNvSpPr txBox="1"/>
+          <p:nvPr>
+            <p:ph idx="1" type="body"/>
+          </p:nvPr>
+        </p:nvSpPr>
+        <p:spPr>
+          <a:xfrm>
+            <a:off x="311700" y="1266325"/>
+            <a:ext cx="8520600" cy="3302700"/>
+          </a:xfrm>
+          <a:prstGeom prst="rect">
+            <a:avLst/>
+          </a:prstGeom>
+        </p:spPr>
+        <p:txBody>
+          <a:bodyPr anchorCtr="0" anchor="t" bIns="91425" lIns="91425" spcFirstLastPara="1" rIns="91425" wrap="square" tIns="91425">
             <a:normAutofit fontScale="25000" lnSpcReduction="20000"/>
           </a:bodyPr>
           <a:lstStyle/>
@@ -10542,7 +11281,7 @@
             <a:r>
               <a:t/>
             </a:r>
-            <a:endParaRPr i="1" sz="5427"/>
+            <a:endParaRPr sz="5427"/>
           </a:p>
           <a:p>
             <a:pPr indent="-314758" lvl="0" marL="457200" rtl="0" algn="l">
@@ -10559,10 +11298,10 @@
               <a:buChar char="●"/>
             </a:pPr>
             <a:r>
-              <a:rPr i="1" lang="en" sz="5427"/>
-              <a:t>Identify patterns in the data </a:t>
-            </a:r>
-            <a:endParaRPr i="1" sz="5427"/>
+              <a:rPr lang="en" sz="5427"/>
+              <a:t>Understand the real estate data</a:t>
+            </a:r>
+            <a:endParaRPr sz="5427"/>
           </a:p>
           <a:p>
             <a:pPr indent="0" lvl="0" marL="0" rtl="0" algn="l">
@@ -10600,7 +11339,7 @@
               <a:t>Why:</a:t>
             </a:r>
             <a:br>
-              <a:rPr i="1" lang="en" sz="5427"/>
+              <a:rPr lang="en" sz="5427"/>
             </a:br>
             <a:endParaRPr i="1" sz="5427"/>
           </a:p>
@@ -10620,31 +11359,12 @@
             </a:pPr>
             <a:r>
               <a:rPr lang="en" sz="5427"/>
-              <a:t>Strong correlations between supply score and</a:t>
-            </a:r>
-            <a:endParaRPr sz="5427"/>
-          </a:p>
-          <a:p>
-            <a:pPr indent="0" lvl="0" marL="457200" rtl="0" algn="l">
-              <a:lnSpc>
-                <a:spcPct val="100000"/>
-              </a:lnSpc>
-              <a:spcBef>
-                <a:spcPts val="0"/>
-              </a:spcBef>
-              <a:spcAft>
-                <a:spcPts val="0"/>
-              </a:spcAft>
-              <a:buNone/>
-            </a:pPr>
-            <a:r>
-              <a:rPr lang="en" sz="5427"/>
-              <a:t>demand score with hotness rank.</a:t>
+              <a:t>We have some features,  what we can we predict?</a:t>
             </a:r>
             <a:br>
               <a:rPr lang="en" sz="5427"/>
             </a:br>
-            <a:endParaRPr i="1" sz="5427"/>
+            <a:endParaRPr sz="5427"/>
           </a:p>
           <a:p>
             <a:pPr indent="-314758" lvl="0" marL="457200" rtl="0" algn="l">
@@ -10662,29 +11382,7 @@
             </a:pPr>
             <a:r>
               <a:rPr lang="en" sz="5427"/>
-              <a:t>To find inefficiencies in the data</a:t>
-            </a:r>
-            <a:endParaRPr sz="5427"/>
-          </a:p>
-          <a:p>
-            <a:pPr indent="0" lvl="0" marL="0" rtl="0" algn="l">
-              <a:lnSpc>
-                <a:spcPct val="100000"/>
-              </a:lnSpc>
-              <a:spcBef>
-                <a:spcPts val="0"/>
-              </a:spcBef>
-              <a:spcAft>
-                <a:spcPts val="0"/>
-              </a:spcAft>
-              <a:buNone/>
-            </a:pPr>
-            <a:br>
-              <a:rPr i="1" lang="en" sz="5427"/>
-            </a:br>
-            <a:r>
-              <a:rPr i="1" lang="en" sz="5427"/>
-              <a:t>How:</a:t>
+              <a:t>Identify patterns in the data</a:t>
             </a:r>
             <a:br>
               <a:rPr lang="en" sz="5427"/>
@@ -10707,6 +11405,51 @@
             </a:pPr>
             <a:r>
               <a:rPr lang="en" sz="5427"/>
+              <a:t>Find inefficiencies </a:t>
+            </a:r>
+            <a:endParaRPr sz="5427"/>
+          </a:p>
+          <a:p>
+            <a:pPr indent="0" lvl="0" marL="0" rtl="0" algn="l">
+              <a:lnSpc>
+                <a:spcPct val="100000"/>
+              </a:lnSpc>
+              <a:spcBef>
+                <a:spcPts val="0"/>
+              </a:spcBef>
+              <a:spcAft>
+                <a:spcPts val="0"/>
+              </a:spcAft>
+              <a:buNone/>
+            </a:pPr>
+            <a:br>
+              <a:rPr i="1" lang="en" sz="5427"/>
+            </a:br>
+            <a:r>
+              <a:rPr i="1" lang="en" sz="5427"/>
+              <a:t>How:</a:t>
+            </a:r>
+            <a:br>
+              <a:rPr lang="en" sz="5427"/>
+            </a:br>
+            <a:endParaRPr sz="5427"/>
+          </a:p>
+          <a:p>
+            <a:pPr indent="-314758" lvl="0" marL="457200" rtl="0" algn="l">
+              <a:lnSpc>
+                <a:spcPct val="100000"/>
+              </a:lnSpc>
+              <a:spcBef>
+                <a:spcPts val="0"/>
+              </a:spcBef>
+              <a:spcAft>
+                <a:spcPts val="0"/>
+              </a:spcAft>
+              <a:buSzPct val="100000"/>
+              <a:buChar char="●"/>
+            </a:pPr>
+            <a:r>
+              <a:rPr lang="en" sz="5427"/>
               <a:t>Clustering K-Means model</a:t>
             </a:r>
             <a:br>
@@ -10879,37 +11622,9 @@
           </a:p>
         </p:txBody>
       </p:sp>
-      <p:pic>
-        <p:nvPicPr>
-          <p:cNvPr id="119" name="Google Shape;119;p20"/>
-          <p:cNvPicPr preferRelativeResize="0"/>
-          <p:nvPr/>
-        </p:nvPicPr>
-        <p:blipFill>
-          <a:blip r:embed="rId3">
-            <a:alphaModFix/>
-          </a:blip>
-          <a:stretch>
-            <a:fillRect/>
-          </a:stretch>
-        </p:blipFill>
-        <p:spPr>
-          <a:xfrm>
-            <a:off x="4713151" y="1231475"/>
-            <a:ext cx="3471649" cy="3712750"/>
-          </a:xfrm>
-          <a:prstGeom prst="rect">
-            <a:avLst/>
-          </a:prstGeom>
-          <a:noFill/>
-          <a:ln>
-            <a:noFill/>
-          </a:ln>
-        </p:spPr>
-      </p:pic>
       <p:sp>
         <p:nvSpPr>
-          <p:cNvPr id="120" name="Google Shape;120;p20"/>
+          <p:cNvPr id="125" name="Google Shape;125;p21"/>
           <p:cNvSpPr txBox="1"/>
           <p:nvPr/>
         </p:nvSpPr>
@@ -10942,357 +11657,12 @@
               <a:buNone/>
             </a:pPr>
             <a:r>
-              <a:rPr b="1" lang="en" sz="900"/>
-              <a:t>Correlation Matrix</a:t>
+              <a:t/>
             </a:r>
             <a:endParaRPr b="1" sz="900"/>
           </a:p>
         </p:txBody>
       </p:sp>
-      <p:pic>
-        <p:nvPicPr>
-          <p:cNvPr id="121" name="Google Shape;121;p20"/>
-          <p:cNvPicPr preferRelativeResize="0"/>
-          <p:nvPr/>
-        </p:nvPicPr>
-        <p:blipFill>
-          <a:blip r:embed="rId4">
-            <a:alphaModFix/>
-          </a:blip>
-          <a:stretch>
-            <a:fillRect/>
-          </a:stretch>
-        </p:blipFill>
-        <p:spPr>
-          <a:xfrm rot="5400000">
-            <a:off x="5232612" y="3364485"/>
-            <a:ext cx="382225" cy="1556751"/>
-          </a:xfrm>
-          <a:prstGeom prst="rect">
-            <a:avLst/>
-          </a:prstGeom>
-          <a:noFill/>
-          <a:ln>
-            <a:noFill/>
-          </a:ln>
-        </p:spPr>
-      </p:pic>
-      <p:sp>
-        <p:nvSpPr>
-          <p:cNvPr id="122" name="Google Shape;122;p20"/>
-          <p:cNvSpPr/>
-          <p:nvPr/>
-        </p:nvSpPr>
-        <p:spPr>
-          <a:xfrm>
-            <a:off x="5357650" y="3176525"/>
-            <a:ext cx="1840800" cy="323100"/>
-          </a:xfrm>
-          <a:prstGeom prst="rect">
-            <a:avLst/>
-          </a:prstGeom>
-          <a:noFill/>
-          <a:ln cap="flat" cmpd="sng" w="28575">
-            <a:solidFill>
-              <a:srgbClr val="A56EFF"/>
-            </a:solidFill>
-            <a:prstDash val="solid"/>
-            <a:round/>
-            <a:headEnd len="sm" w="sm" type="none"/>
-            <a:tailEnd len="sm" w="sm" type="none"/>
-          </a:ln>
-        </p:spPr>
-        <p:txBody>
-          <a:bodyPr anchorCtr="0" anchor="ctr" bIns="91425" lIns="91425" spcFirstLastPara="1" rIns="91425" wrap="square" tIns="91425">
-            <a:noAutofit/>
-          </a:bodyPr>
-          <a:lstStyle/>
-          <a:p>
-            <a:pPr indent="0" lvl="0" marL="0" rtl="0" algn="l">
-              <a:spcBef>
-                <a:spcPts val="0"/>
-              </a:spcBef>
-              <a:spcAft>
-                <a:spcPts val="0"/>
-              </a:spcAft>
-              <a:buNone/>
-            </a:pPr>
-            <a:r>
-              <a:t/>
-            </a:r>
-            <a:endParaRPr/>
-          </a:p>
-        </p:txBody>
-      </p:sp>
-    </p:spTree>
-  </p:cSld>
-  <p:clrMapOvr>
-    <a:masterClrMapping/>
-  </p:clrMapOvr>
-</p:sld>
-</file>
-
-<file path=ppt/slides/slide9.xml><?xml version="1.0" encoding="utf-8"?>
-<p:sld xmlns:a="http://schemas.openxmlformats.org/drawingml/2006/main" xmlns:r="http://schemas.openxmlformats.org/officeDocument/2006/relationships" xmlns:mc="http://schemas.openxmlformats.org/markup-compatibility/2006" xmlns:mv="urn:schemas-microsoft-com:mac:vml" xmlns:p="http://schemas.openxmlformats.org/presentationml/2006/main" xmlns:c="http://schemas.openxmlformats.org/drawingml/2006/chart" xmlns:dgm="http://schemas.openxmlformats.org/drawingml/2006/diagram" xmlns:o="urn:schemas-microsoft-com:office:office" xmlns:v="urn:schemas-microsoft-com:vml" xmlns:pvml="urn:schemas-microsoft-com:office:powerpoint" xmlns:com="http://schemas.openxmlformats.org/drawingml/2006/compatibility" xmlns:p14="http://schemas.microsoft.com/office/powerpoint/2010/main" xmlns:p15="http://schemas.microsoft.com/office/powerpoint/2012/main" xmlns:ahyp="http://schemas.microsoft.com/office/drawing/2018/hyperlinkcolor">
-  <p:cSld>
-    <p:spTree>
-      <p:nvGrpSpPr>
-        <p:cNvPr id="126" name="Shape 126"/>
-        <p:cNvGrpSpPr/>
-        <p:nvPr/>
-      </p:nvGrpSpPr>
-      <p:grpSpPr>
-        <a:xfrm>
-          <a:off x="0" y="0"/>
-          <a:ext cx="0" cy="0"/>
-          <a:chOff x="0" y="0"/>
-          <a:chExt cx="0" cy="0"/>
-        </a:xfrm>
-      </p:grpSpPr>
-      <p:sp>
-        <p:nvSpPr>
-          <p:cNvPr id="127" name="Google Shape;127;p21"/>
-          <p:cNvSpPr txBox="1"/>
-          <p:nvPr>
-            <p:ph type="ctrTitle"/>
-          </p:nvPr>
-        </p:nvSpPr>
-        <p:spPr>
-          <a:xfrm>
-            <a:off x="311700" y="439775"/>
-            <a:ext cx="8520600" cy="486900"/>
-          </a:xfrm>
-          <a:prstGeom prst="rect">
-            <a:avLst/>
-          </a:prstGeom>
-        </p:spPr>
-        <p:txBody>
-          <a:bodyPr anchorCtr="0" anchor="b" bIns="91425" lIns="91425" spcFirstLastPara="1" rIns="91425" wrap="square" tIns="91425">
-            <a:noAutofit/>
-          </a:bodyPr>
-          <a:lstStyle/>
-          <a:p>
-            <a:pPr indent="0" lvl="0" marL="0" rtl="0" algn="l">
-              <a:spcBef>
-                <a:spcPts val="0"/>
-              </a:spcBef>
-              <a:spcAft>
-                <a:spcPts val="0"/>
-              </a:spcAft>
-              <a:buSzPts val="990"/>
-              <a:buNone/>
-            </a:pPr>
-            <a:r>
-              <a:rPr lang="en" sz="2180"/>
-              <a:t>Unsupervised Clustering K-Means Model: Elbow Method</a:t>
-            </a:r>
-            <a:endParaRPr sz="2180"/>
-          </a:p>
-        </p:txBody>
-      </p:sp>
-      <p:sp>
-        <p:nvSpPr>
-          <p:cNvPr id="128" name="Google Shape;128;p21"/>
-          <p:cNvSpPr txBox="1"/>
-          <p:nvPr>
-            <p:ph idx="1" type="subTitle"/>
-          </p:nvPr>
-        </p:nvSpPr>
-        <p:spPr>
-          <a:xfrm>
-            <a:off x="374825" y="1351900"/>
-            <a:ext cx="8520600" cy="3141900"/>
-          </a:xfrm>
-          <a:prstGeom prst="rect">
-            <a:avLst/>
-          </a:prstGeom>
-        </p:spPr>
-        <p:txBody>
-          <a:bodyPr anchorCtr="0" anchor="t" bIns="91425" lIns="91425" spcFirstLastPara="1" rIns="91425" wrap="square" tIns="91425">
-            <a:normAutofit fontScale="47500" lnSpcReduction="20000"/>
-          </a:bodyPr>
-          <a:lstStyle/>
-          <a:p>
-            <a:pPr indent="0" lvl="0" marL="0" rtl="0" algn="l">
-              <a:spcBef>
-                <a:spcPts val="0"/>
-              </a:spcBef>
-              <a:spcAft>
-                <a:spcPts val="0"/>
-              </a:spcAft>
-              <a:buNone/>
-            </a:pPr>
-            <a:r>
-              <a:t/>
-            </a:r>
-            <a:endParaRPr i="1" sz="7427"/>
-          </a:p>
-          <a:p>
-            <a:pPr indent="0" lvl="0" marL="0" rtl="0" algn="l">
-              <a:spcBef>
-                <a:spcPts val="0"/>
-              </a:spcBef>
-              <a:spcAft>
-                <a:spcPts val="0"/>
-              </a:spcAft>
-              <a:buNone/>
-            </a:pPr>
-            <a:r>
-              <a:t/>
-            </a:r>
-            <a:endParaRPr i="1" sz="7427"/>
-          </a:p>
-          <a:p>
-            <a:pPr indent="0" lvl="0" marL="0" rtl="0" algn="l">
-              <a:spcBef>
-                <a:spcPts val="0"/>
-              </a:spcBef>
-              <a:spcAft>
-                <a:spcPts val="0"/>
-              </a:spcAft>
-              <a:buNone/>
-            </a:pPr>
-            <a:r>
-              <a:t/>
-            </a:r>
-            <a:endParaRPr i="1" sz="7427"/>
-          </a:p>
-          <a:p>
-            <a:pPr indent="0" lvl="0" marL="0" rtl="0" algn="l">
-              <a:spcBef>
-                <a:spcPts val="0"/>
-              </a:spcBef>
-              <a:spcAft>
-                <a:spcPts val="0"/>
-              </a:spcAft>
-              <a:buNone/>
-            </a:pPr>
-            <a:r>
-              <a:t/>
-            </a:r>
-            <a:endParaRPr i="1" sz="7427"/>
-          </a:p>
-          <a:p>
-            <a:pPr indent="0" lvl="0" marL="0" rtl="0" algn="l">
-              <a:spcBef>
-                <a:spcPts val="0"/>
-              </a:spcBef>
-              <a:spcAft>
-                <a:spcPts val="0"/>
-              </a:spcAft>
-              <a:buNone/>
-            </a:pPr>
-            <a:r>
-              <a:t/>
-            </a:r>
-            <a:endParaRPr i="1" sz="3731"/>
-          </a:p>
-          <a:p>
-            <a:pPr indent="0" lvl="0" marL="0" rtl="0" algn="l">
-              <a:spcBef>
-                <a:spcPts val="0"/>
-              </a:spcBef>
-              <a:spcAft>
-                <a:spcPts val="0"/>
-              </a:spcAft>
-              <a:buNone/>
-            </a:pPr>
-            <a:r>
-              <a:t/>
-            </a:r>
-            <a:endParaRPr i="1" sz="3731"/>
-          </a:p>
-          <a:p>
-            <a:pPr indent="0" lvl="0" marL="0" rtl="0" algn="l">
-              <a:spcBef>
-                <a:spcPts val="0"/>
-              </a:spcBef>
-              <a:spcAft>
-                <a:spcPts val="0"/>
-              </a:spcAft>
-              <a:buNone/>
-            </a:pPr>
-            <a:r>
-              <a:t/>
-            </a:r>
-            <a:endParaRPr sz="2100"/>
-          </a:p>
-          <a:p>
-            <a:pPr indent="0" lvl="0" marL="0" rtl="0" algn="l">
-              <a:spcBef>
-                <a:spcPts val="0"/>
-              </a:spcBef>
-              <a:spcAft>
-                <a:spcPts val="0"/>
-              </a:spcAft>
-              <a:buNone/>
-            </a:pPr>
-            <a:r>
-              <a:t/>
-            </a:r>
-            <a:endParaRPr sz="2100"/>
-          </a:p>
-          <a:p>
-            <a:pPr indent="0" lvl="0" marL="0" rtl="0" algn="l">
-              <a:spcBef>
-                <a:spcPts val="0"/>
-              </a:spcBef>
-              <a:spcAft>
-                <a:spcPts val="0"/>
-              </a:spcAft>
-              <a:buNone/>
-            </a:pPr>
-            <a:r>
-              <a:rPr lang="en" sz="2100"/>
-              <a:t>	</a:t>
-            </a:r>
-            <a:endParaRPr sz="2100"/>
-          </a:p>
-          <a:p>
-            <a:pPr indent="0" lvl="0" marL="0" rtl="0" algn="l">
-              <a:spcBef>
-                <a:spcPts val="0"/>
-              </a:spcBef>
-              <a:spcAft>
-                <a:spcPts val="0"/>
-              </a:spcAft>
-              <a:buNone/>
-            </a:pPr>
-            <a:r>
-              <a:t/>
-            </a:r>
-            <a:endParaRPr/>
-          </a:p>
-        </p:txBody>
-      </p:sp>
-      <p:pic>
-        <p:nvPicPr>
-          <p:cNvPr id="129" name="Google Shape;129;p21"/>
-          <p:cNvPicPr preferRelativeResize="0"/>
-          <p:nvPr/>
-        </p:nvPicPr>
-        <p:blipFill>
-          <a:blip r:embed="rId3">
-            <a:alphaModFix/>
-          </a:blip>
-          <a:stretch>
-            <a:fillRect/>
-          </a:stretch>
-        </p:blipFill>
-        <p:spPr>
-          <a:xfrm>
-            <a:off x="346500" y="1320275"/>
-            <a:ext cx="8892824" cy="3695700"/>
-          </a:xfrm>
-          <a:prstGeom prst="rect">
-            <a:avLst/>
-          </a:prstGeom>
-          <a:noFill/>
-          <a:ln>
-            <a:noFill/>
-          </a:ln>
-        </p:spPr>
-      </p:pic>
     </p:spTree>
   </p:cSld>
   <p:clrMapOvr>
